--- a/JAX_HPC_Ways_to_20X_speed_up_and_TPU_and_GPU_grid_deployment.pptx
+++ b/JAX_HPC_Ways_to_20X_speed_up_and_TPU_and_GPU_grid_deployment.pptx
@@ -6,6 +6,11 @@
   </p:sldMasterIdLst>
   <p:sldIdLst>
     <p:sldId id="256" r:id="rId3"/>
+    <p:sldId id="257" r:id="rId4"/>
+    <p:sldId id="258" r:id="rId5"/>
+    <p:sldId id="259" r:id="rId6"/>
+    <p:sldId id="260" r:id="rId7"/>
+    <p:sldId id="261" r:id="rId8"/>
   </p:sldIdLst>
   <p:sldSz cx="10080625" cy="5670550"/>
   <p:notesSz cx="7772400" cy="10058400"/>
@@ -53,7 +58,7 @@
       </p:grpSpPr>
       <p:sp>
         <p:nvSpPr>
-          <p:cNvPr id="22" name="PlaceHolder 1"/>
+          <p:cNvPr id="23" name="PlaceHolder 1"/>
           <p:cNvSpPr>
             <a:spLocks noGrp="1"/>
           </p:cNvSpPr>
@@ -84,7 +89,7 @@
       </p:sp>
       <p:sp>
         <p:nvSpPr>
-          <p:cNvPr id="23" name="PlaceHolder 2"/>
+          <p:cNvPr id="24" name="PlaceHolder 2"/>
           <p:cNvSpPr>
             <a:spLocks noGrp="1"/>
           </p:cNvSpPr>
@@ -114,7 +119,7 @@
       </p:sp>
       <p:sp>
         <p:nvSpPr>
-          <p:cNvPr id="24" name="PlaceHolder 3"/>
+          <p:cNvPr id="25" name="PlaceHolder 3"/>
           <p:cNvSpPr>
             <a:spLocks noGrp="1"/>
           </p:cNvSpPr>
@@ -166,7 +171,7 @@
       </p:grpSpPr>
       <p:sp>
         <p:nvSpPr>
-          <p:cNvPr id="25" name="PlaceHolder 1"/>
+          <p:cNvPr id="26" name="PlaceHolder 1"/>
           <p:cNvSpPr>
             <a:spLocks noGrp="1"/>
           </p:cNvSpPr>
@@ -197,7 +202,7 @@
       </p:sp>
       <p:sp>
         <p:nvSpPr>
-          <p:cNvPr id="26" name="PlaceHolder 2"/>
+          <p:cNvPr id="27" name="PlaceHolder 2"/>
           <p:cNvSpPr>
             <a:spLocks noGrp="1"/>
           </p:cNvSpPr>
@@ -227,7 +232,7 @@
       </p:sp>
       <p:sp>
         <p:nvSpPr>
-          <p:cNvPr id="27" name="PlaceHolder 3"/>
+          <p:cNvPr id="28" name="PlaceHolder 3"/>
           <p:cNvSpPr>
             <a:spLocks noGrp="1"/>
           </p:cNvSpPr>
@@ -257,7 +262,7 @@
       </p:sp>
       <p:sp>
         <p:nvSpPr>
-          <p:cNvPr id="28" name="PlaceHolder 4"/>
+          <p:cNvPr id="29" name="PlaceHolder 4"/>
           <p:cNvSpPr>
             <a:spLocks noGrp="1"/>
           </p:cNvSpPr>
@@ -287,7 +292,7 @@
       </p:sp>
       <p:sp>
         <p:nvSpPr>
-          <p:cNvPr id="29" name="PlaceHolder 5"/>
+          <p:cNvPr id="30" name="PlaceHolder 5"/>
           <p:cNvSpPr>
             <a:spLocks noGrp="1"/>
           </p:cNvSpPr>
@@ -339,7 +344,7 @@
       </p:grpSpPr>
       <p:sp>
         <p:nvSpPr>
-          <p:cNvPr id="30" name="PlaceHolder 1"/>
+          <p:cNvPr id="31" name="PlaceHolder 1"/>
           <p:cNvSpPr>
             <a:spLocks noGrp="1"/>
           </p:cNvSpPr>
@@ -370,7 +375,7 @@
       </p:sp>
       <p:sp>
         <p:nvSpPr>
-          <p:cNvPr id="31" name="PlaceHolder 2"/>
+          <p:cNvPr id="32" name="PlaceHolder 2"/>
           <p:cNvSpPr>
             <a:spLocks noGrp="1"/>
           </p:cNvSpPr>
@@ -400,7 +405,7 @@
       </p:sp>
       <p:sp>
         <p:nvSpPr>
-          <p:cNvPr id="32" name="PlaceHolder 3"/>
+          <p:cNvPr id="33" name="PlaceHolder 3"/>
           <p:cNvSpPr>
             <a:spLocks noGrp="1"/>
           </p:cNvSpPr>
@@ -430,7 +435,7 @@
       </p:sp>
       <p:sp>
         <p:nvSpPr>
-          <p:cNvPr id="33" name="PlaceHolder 4"/>
+          <p:cNvPr id="34" name="PlaceHolder 4"/>
           <p:cNvSpPr>
             <a:spLocks noGrp="1"/>
           </p:cNvSpPr>
@@ -460,7 +465,7 @@
       </p:sp>
       <p:sp>
         <p:nvSpPr>
-          <p:cNvPr id="34" name="PlaceHolder 5"/>
+          <p:cNvPr id="35" name="PlaceHolder 5"/>
           <p:cNvSpPr>
             <a:spLocks noGrp="1"/>
           </p:cNvSpPr>
@@ -490,7 +495,7 @@
       </p:sp>
       <p:sp>
         <p:nvSpPr>
-          <p:cNvPr id="35" name="PlaceHolder 6"/>
+          <p:cNvPr id="36" name="PlaceHolder 6"/>
           <p:cNvSpPr>
             <a:spLocks noGrp="1"/>
           </p:cNvSpPr>
@@ -520,7 +525,7 @@
       </p:sp>
       <p:sp>
         <p:nvSpPr>
-          <p:cNvPr id="36" name="PlaceHolder 7"/>
+          <p:cNvPr id="37" name="PlaceHolder 7"/>
           <p:cNvSpPr>
             <a:spLocks noGrp="1"/>
           </p:cNvSpPr>
@@ -572,7 +577,7 @@
       </p:grpSpPr>
       <p:sp>
         <p:nvSpPr>
-          <p:cNvPr id="1" name="PlaceHolder 1"/>
+          <p:cNvPr id="2" name="PlaceHolder 1"/>
           <p:cNvSpPr>
             <a:spLocks noGrp="1"/>
           </p:cNvSpPr>
@@ -603,7 +608,7 @@
       </p:sp>
       <p:sp>
         <p:nvSpPr>
-          <p:cNvPr id="2" name="PlaceHolder 2"/>
+          <p:cNvPr id="3" name="PlaceHolder 2"/>
           <p:cNvSpPr>
             <a:spLocks noGrp="1"/>
           </p:cNvSpPr>
@@ -656,7 +661,7 @@
       </p:grpSpPr>
       <p:sp>
         <p:nvSpPr>
-          <p:cNvPr id="3" name="PlaceHolder 1"/>
+          <p:cNvPr id="4" name="PlaceHolder 1"/>
           <p:cNvSpPr>
             <a:spLocks noGrp="1"/>
           </p:cNvSpPr>
@@ -687,7 +692,7 @@
       </p:sp>
       <p:sp>
         <p:nvSpPr>
-          <p:cNvPr id="4" name="PlaceHolder 2"/>
+          <p:cNvPr id="5" name="PlaceHolder 2"/>
           <p:cNvSpPr>
             <a:spLocks noGrp="1"/>
           </p:cNvSpPr>
@@ -739,7 +744,7 @@
       </p:grpSpPr>
       <p:sp>
         <p:nvSpPr>
-          <p:cNvPr id="5" name="PlaceHolder 1"/>
+          <p:cNvPr id="6" name="PlaceHolder 1"/>
           <p:cNvSpPr>
             <a:spLocks noGrp="1"/>
           </p:cNvSpPr>
@@ -770,7 +775,7 @@
       </p:sp>
       <p:sp>
         <p:nvSpPr>
-          <p:cNvPr id="6" name="PlaceHolder 2"/>
+          <p:cNvPr id="7" name="PlaceHolder 2"/>
           <p:cNvSpPr>
             <a:spLocks noGrp="1"/>
           </p:cNvSpPr>
@@ -800,7 +805,7 @@
       </p:sp>
       <p:sp>
         <p:nvSpPr>
-          <p:cNvPr id="7" name="PlaceHolder 3"/>
+          <p:cNvPr id="8" name="PlaceHolder 3"/>
           <p:cNvSpPr>
             <a:spLocks noGrp="1"/>
           </p:cNvSpPr>
@@ -852,7 +857,7 @@
       </p:grpSpPr>
       <p:sp>
         <p:nvSpPr>
-          <p:cNvPr id="8" name="PlaceHolder 1"/>
+          <p:cNvPr id="9" name="PlaceHolder 1"/>
           <p:cNvSpPr>
             <a:spLocks noGrp="1"/>
           </p:cNvSpPr>
@@ -905,7 +910,7 @@
       </p:grpSpPr>
       <p:sp>
         <p:nvSpPr>
-          <p:cNvPr id="9" name="PlaceHolder 1"/>
+          <p:cNvPr id="10" name="PlaceHolder 1"/>
           <p:cNvSpPr>
             <a:spLocks noGrp="1"/>
           </p:cNvSpPr>
@@ -958,7 +963,7 @@
       </p:grpSpPr>
       <p:sp>
         <p:nvSpPr>
-          <p:cNvPr id="10" name="PlaceHolder 1"/>
+          <p:cNvPr id="11" name="PlaceHolder 1"/>
           <p:cNvSpPr>
             <a:spLocks noGrp="1"/>
           </p:cNvSpPr>
@@ -989,7 +994,7 @@
       </p:sp>
       <p:sp>
         <p:nvSpPr>
-          <p:cNvPr id="11" name="PlaceHolder 2"/>
+          <p:cNvPr id="12" name="PlaceHolder 2"/>
           <p:cNvSpPr>
             <a:spLocks noGrp="1"/>
           </p:cNvSpPr>
@@ -1019,7 +1024,7 @@
       </p:sp>
       <p:sp>
         <p:nvSpPr>
-          <p:cNvPr id="12" name="PlaceHolder 3"/>
+          <p:cNvPr id="13" name="PlaceHolder 3"/>
           <p:cNvSpPr>
             <a:spLocks noGrp="1"/>
           </p:cNvSpPr>
@@ -1049,7 +1054,7 @@
       </p:sp>
       <p:sp>
         <p:nvSpPr>
-          <p:cNvPr id="13" name="PlaceHolder 4"/>
+          <p:cNvPr id="14" name="PlaceHolder 4"/>
           <p:cNvSpPr>
             <a:spLocks noGrp="1"/>
           </p:cNvSpPr>
@@ -1101,7 +1106,7 @@
       </p:grpSpPr>
       <p:sp>
         <p:nvSpPr>
-          <p:cNvPr id="14" name="PlaceHolder 1"/>
+          <p:cNvPr id="15" name="PlaceHolder 1"/>
           <p:cNvSpPr>
             <a:spLocks noGrp="1"/>
           </p:cNvSpPr>
@@ -1132,7 +1137,7 @@
       </p:sp>
       <p:sp>
         <p:nvSpPr>
-          <p:cNvPr id="15" name="PlaceHolder 2"/>
+          <p:cNvPr id="16" name="PlaceHolder 2"/>
           <p:cNvSpPr>
             <a:spLocks noGrp="1"/>
           </p:cNvSpPr>
@@ -1162,7 +1167,7 @@
       </p:sp>
       <p:sp>
         <p:nvSpPr>
-          <p:cNvPr id="16" name="PlaceHolder 3"/>
+          <p:cNvPr id="17" name="PlaceHolder 3"/>
           <p:cNvSpPr>
             <a:spLocks noGrp="1"/>
           </p:cNvSpPr>
@@ -1192,7 +1197,7 @@
       </p:sp>
       <p:sp>
         <p:nvSpPr>
-          <p:cNvPr id="17" name="PlaceHolder 4"/>
+          <p:cNvPr id="18" name="PlaceHolder 4"/>
           <p:cNvSpPr>
             <a:spLocks noGrp="1"/>
           </p:cNvSpPr>
@@ -1244,7 +1249,7 @@
       </p:grpSpPr>
       <p:sp>
         <p:nvSpPr>
-          <p:cNvPr id="18" name="PlaceHolder 1"/>
+          <p:cNvPr id="19" name="PlaceHolder 1"/>
           <p:cNvSpPr>
             <a:spLocks noGrp="1"/>
           </p:cNvSpPr>
@@ -1275,7 +1280,7 @@
       </p:sp>
       <p:sp>
         <p:nvSpPr>
-          <p:cNvPr id="19" name="PlaceHolder 2"/>
+          <p:cNvPr id="20" name="PlaceHolder 2"/>
           <p:cNvSpPr>
             <a:spLocks noGrp="1"/>
           </p:cNvSpPr>
@@ -1305,7 +1310,7 @@
       </p:sp>
       <p:sp>
         <p:nvSpPr>
-          <p:cNvPr id="20" name="PlaceHolder 3"/>
+          <p:cNvPr id="21" name="PlaceHolder 3"/>
           <p:cNvSpPr>
             <a:spLocks noGrp="1"/>
           </p:cNvSpPr>
@@ -1335,7 +1340,7 @@
       </p:sp>
       <p:sp>
         <p:nvSpPr>
-          <p:cNvPr id="21" name="PlaceHolder 4"/>
+          <p:cNvPr id="22" name="PlaceHolder 4"/>
           <p:cNvSpPr>
             <a:spLocks noGrp="1"/>
           </p:cNvSpPr>
@@ -1417,6 +1422,185 @@
               <a:t>Click to edit the title text format</a:t>
             </a:r>
             <a:endParaRPr b="0" lang="en-US" sz="1800" spc="-1" strike="noStrike">
+              <a:latin typeface="Arial"/>
+            </a:endParaRPr>
+          </a:p>
+        </p:txBody>
+      </p:sp>
+      <p:sp>
+        <p:nvSpPr>
+          <p:cNvPr id="1" name="PlaceHolder 2"/>
+          <p:cNvSpPr>
+            <a:spLocks noGrp="1"/>
+          </p:cNvSpPr>
+          <p:nvPr>
+            <p:ph type="body"/>
+          </p:nvPr>
+        </p:nvSpPr>
+        <p:spPr>
+          <a:xfrm>
+            <a:off x="504000" y="1326600"/>
+            <a:ext cx="9072000" cy="3288600"/>
+          </a:xfrm>
+          <a:prstGeom prst="rect">
+            <a:avLst/>
+          </a:prstGeom>
+        </p:spPr>
+        <p:txBody>
+          <a:bodyPr lIns="0" rIns="0" tIns="0" bIns="0">
+            <a:normAutofit/>
+          </a:bodyPr>
+          <a:p>
+            <a:pPr marL="432000" indent="-324000">
+              <a:spcBef>
+                <a:spcPts val="1417"/>
+              </a:spcBef>
+              <a:buClr>
+                <a:srgbClr val="000000"/>
+              </a:buClr>
+              <a:buSzPct val="45000"/>
+              <a:buFont typeface="Wingdings" charset="2"/>
+              <a:buChar char=""/>
+            </a:pPr>
+            <a:r>
+              <a:rPr b="0" lang="en-US" sz="3200" spc="-1" strike="noStrike">
+                <a:latin typeface="Arial"/>
+              </a:rPr>
+              <a:t>Click to edit the outline text format</a:t>
+            </a:r>
+            <a:endParaRPr b="0" lang="en-US" sz="3200" spc="-1" strike="noStrike">
+              <a:latin typeface="Arial"/>
+            </a:endParaRPr>
+          </a:p>
+          <a:p>
+            <a:pPr lvl="1" marL="864000" indent="-324000">
+              <a:spcBef>
+                <a:spcPts val="1134"/>
+              </a:spcBef>
+              <a:buClr>
+                <a:srgbClr val="000000"/>
+              </a:buClr>
+              <a:buSzPct val="75000"/>
+              <a:buFont typeface="Symbol" charset="2"/>
+              <a:buChar char=""/>
+            </a:pPr>
+            <a:r>
+              <a:rPr b="0" lang="en-US" sz="2800" spc="-1" strike="noStrike">
+                <a:latin typeface="Arial"/>
+              </a:rPr>
+              <a:t>Second Outline Level</a:t>
+            </a:r>
+            <a:endParaRPr b="0" lang="en-US" sz="2800" spc="-1" strike="noStrike">
+              <a:latin typeface="Arial"/>
+            </a:endParaRPr>
+          </a:p>
+          <a:p>
+            <a:pPr lvl="2" marL="1296000" indent="-288000">
+              <a:spcBef>
+                <a:spcPts val="850"/>
+              </a:spcBef>
+              <a:buClr>
+                <a:srgbClr val="000000"/>
+              </a:buClr>
+              <a:buSzPct val="45000"/>
+              <a:buFont typeface="Wingdings" charset="2"/>
+              <a:buChar char=""/>
+            </a:pPr>
+            <a:r>
+              <a:rPr b="0" lang="en-US" sz="2400" spc="-1" strike="noStrike">
+                <a:latin typeface="Arial"/>
+              </a:rPr>
+              <a:t>Third Outline Level</a:t>
+            </a:r>
+            <a:endParaRPr b="0" lang="en-US" sz="2400" spc="-1" strike="noStrike">
+              <a:latin typeface="Arial"/>
+            </a:endParaRPr>
+          </a:p>
+          <a:p>
+            <a:pPr lvl="3" marL="1728000" indent="-216000">
+              <a:spcBef>
+                <a:spcPts val="567"/>
+              </a:spcBef>
+              <a:buClr>
+                <a:srgbClr val="000000"/>
+              </a:buClr>
+              <a:buSzPct val="75000"/>
+              <a:buFont typeface="Symbol" charset="2"/>
+              <a:buChar char=""/>
+            </a:pPr>
+            <a:r>
+              <a:rPr b="0" lang="en-US" sz="2000" spc="-1" strike="noStrike">
+                <a:latin typeface="Arial"/>
+              </a:rPr>
+              <a:t>Fourth Outline Level</a:t>
+            </a:r>
+            <a:endParaRPr b="0" lang="en-US" sz="2000" spc="-1" strike="noStrike">
+              <a:latin typeface="Arial"/>
+            </a:endParaRPr>
+          </a:p>
+          <a:p>
+            <a:pPr lvl="4" marL="2160000" indent="-216000">
+              <a:spcBef>
+                <a:spcPts val="283"/>
+              </a:spcBef>
+              <a:buClr>
+                <a:srgbClr val="000000"/>
+              </a:buClr>
+              <a:buSzPct val="45000"/>
+              <a:buFont typeface="Wingdings" charset="2"/>
+              <a:buChar char=""/>
+            </a:pPr>
+            <a:r>
+              <a:rPr b="0" lang="en-US" sz="2000" spc="-1" strike="noStrike">
+                <a:latin typeface="Arial"/>
+              </a:rPr>
+              <a:t>Fifth Outline Level</a:t>
+            </a:r>
+            <a:endParaRPr b="0" lang="en-US" sz="2000" spc="-1" strike="noStrike">
+              <a:latin typeface="Arial"/>
+            </a:endParaRPr>
+          </a:p>
+          <a:p>
+            <a:pPr lvl="5" marL="2592000" indent="-216000">
+              <a:spcBef>
+                <a:spcPts val="283"/>
+              </a:spcBef>
+              <a:buClr>
+                <a:srgbClr val="000000"/>
+              </a:buClr>
+              <a:buSzPct val="45000"/>
+              <a:buFont typeface="Wingdings" charset="2"/>
+              <a:buChar char=""/>
+            </a:pPr>
+            <a:r>
+              <a:rPr b="0" lang="en-US" sz="2000" spc="-1" strike="noStrike">
+                <a:latin typeface="Arial"/>
+              </a:rPr>
+              <a:t>Sixth Outline Level</a:t>
+            </a:r>
+            <a:endParaRPr b="0" lang="en-US" sz="2000" spc="-1" strike="noStrike">
+              <a:latin typeface="Arial"/>
+            </a:endParaRPr>
+          </a:p>
+          <a:p>
+            <a:pPr lvl="6" marL="3024000" indent="-216000">
+              <a:spcBef>
+                <a:spcPts val="283"/>
+              </a:spcBef>
+              <a:buClr>
+                <a:srgbClr val="000000"/>
+              </a:buClr>
+              <a:buSzPct val="45000"/>
+              <a:buFont typeface="Wingdings" charset="2"/>
+              <a:buChar char=""/>
+            </a:pPr>
+            <a:r>
+              <a:rPr b="0" lang="en-US" sz="2000" spc="-1" strike="noStrike">
+                <a:latin typeface="Arial"/>
+              </a:rPr>
+              <a:t>Seventh Outline Level</a:t>
+            </a:r>
+            <a:endParaRPr b="0" lang="en-US" sz="2000" spc="-1" strike="noStrike">
               <a:latin typeface="Arial"/>
             </a:endParaRPr>
           </a:p>
@@ -1461,7 +1645,7 @@
       </p:grpSpPr>
       <p:sp>
         <p:nvSpPr>
-          <p:cNvPr id="37" name="CustomShape 1"/>
+          <p:cNvPr id="38" name="CustomShape 1"/>
           <p:cNvSpPr/>
           <p:nvPr/>
         </p:nvSpPr>
@@ -1508,7 +1692,7 @@
       </p:sp>
       <p:sp>
         <p:nvSpPr>
-          <p:cNvPr id="38" name="CustomShape 2"/>
+          <p:cNvPr id="39" name="CustomShape 2"/>
           <p:cNvSpPr/>
           <p:nvPr/>
         </p:nvSpPr>
@@ -1548,6 +1732,3405 @@
               <a:t>By Victor Huang.</a:t>
             </a:r>
             <a:endParaRPr b="0" lang="en-US" sz="3200" spc="-1" strike="noStrike">
+              <a:latin typeface="Arial"/>
+            </a:endParaRPr>
+          </a:p>
+          <a:p>
+            <a:pPr algn="ctr">
+              <a:lnSpc>
+                <a:spcPct val="100000"/>
+              </a:lnSpc>
+            </a:pPr>
+            <a:endParaRPr b="0" lang="en-US" sz="3200" spc="-1" strike="noStrike">
+              <a:latin typeface="Arial"/>
+            </a:endParaRPr>
+          </a:p>
+          <a:p>
+            <a:pPr algn="ctr">
+              <a:lnSpc>
+                <a:spcPct val="100000"/>
+              </a:lnSpc>
+            </a:pPr>
+            <a:endParaRPr b="0" lang="en-US" sz="3200" spc="-1" strike="noStrike">
+              <a:latin typeface="Arial"/>
+            </a:endParaRPr>
+          </a:p>
+          <a:p>
+            <a:pPr algn="ctr">
+              <a:lnSpc>
+                <a:spcPct val="100000"/>
+              </a:lnSpc>
+            </a:pPr>
+            <a:endParaRPr b="0" lang="en-US" sz="3200" spc="-1" strike="noStrike">
+              <a:latin typeface="Arial"/>
+            </a:endParaRPr>
+          </a:p>
+          <a:p>
+            <a:pPr algn="ctr">
+              <a:lnSpc>
+                <a:spcPct val="100000"/>
+              </a:lnSpc>
+            </a:pPr>
+            <a:endParaRPr b="0" lang="en-US" sz="3200" spc="-1" strike="noStrike">
+              <a:latin typeface="Arial"/>
+            </a:endParaRPr>
+          </a:p>
+          <a:p>
+            <a:pPr algn="ctr">
+              <a:lnSpc>
+                <a:spcPct val="100000"/>
+              </a:lnSpc>
+            </a:pPr>
+            <a:endParaRPr b="0" lang="en-US" sz="3200" spc="-1" strike="noStrike">
+              <a:latin typeface="Arial"/>
+            </a:endParaRPr>
+          </a:p>
+        </p:txBody>
+      </p:sp>
+      <p:sp>
+        <p:nvSpPr>
+          <p:cNvPr id="40" name="TextShape 3"/>
+          <p:cNvSpPr txBox="1"/>
+          <p:nvPr/>
+        </p:nvSpPr>
+        <p:spPr>
+          <a:xfrm>
+            <a:off x="504000" y="3044520"/>
+            <a:ext cx="4784400" cy="2267640"/>
+          </a:xfrm>
+          <a:prstGeom prst="rect">
+            <a:avLst/>
+          </a:prstGeom>
+          <a:noFill/>
+          <a:ln>
+            <a:noFill/>
+          </a:ln>
+        </p:spPr>
+        <p:txBody>
+          <a:bodyPr lIns="0" rIns="0" tIns="0" bIns="0">
+            <a:normAutofit/>
+          </a:bodyPr>
+          <a:p>
+            <a:r>
+              <a:rPr b="0" lang="en-US" sz="1400" spc="-1" strike="noStrike">
+                <a:latin typeface="Arial"/>
+              </a:rPr>
+              <a:t>Please download my presentation in pptx:</a:t>
+            </a:r>
+            <a:endParaRPr b="0" lang="en-US" sz="1400" spc="-1" strike="noStrike">
+              <a:latin typeface="Arial"/>
+            </a:endParaRPr>
+          </a:p>
+          <a:p>
+            <a:endParaRPr b="0" lang="en-US" sz="1400" spc="-1" strike="noStrike">
+              <a:latin typeface="Arial"/>
+            </a:endParaRPr>
+          </a:p>
+          <a:p>
+            <a:r>
+              <a:rPr b="0" lang="en-US" sz="1400" spc="-1" strike="noStrike">
+                <a:latin typeface="Arial"/>
+              </a:rPr>
+              <a:t>https://github.com/bayvictor/jax_presentation/blob/master/JAX_HPC_Ways_to_20X_speed_up_and_TPU_and_GPU_grid_deployment.pptx</a:t>
+            </a:r>
+            <a:endParaRPr b="0" lang="en-US" sz="1400" spc="-1" strike="noStrike">
+              <a:latin typeface="Arial"/>
+            </a:endParaRPr>
+          </a:p>
+          <a:p>
+            <a:endParaRPr b="0" lang="en-US" sz="1400" spc="-1" strike="noStrike">
+              <a:latin typeface="Arial"/>
+            </a:endParaRPr>
+          </a:p>
+        </p:txBody>
+      </p:sp>
+      <p:pic>
+        <p:nvPicPr>
+          <p:cNvPr id="41" name="" descr=""/>
+          <p:cNvPicPr/>
+          <p:nvPr/>
+        </p:nvPicPr>
+        <p:blipFill>
+          <a:blip r:embed="rId1"/>
+          <a:stretch/>
+        </p:blipFill>
+        <p:spPr>
+          <a:xfrm>
+            <a:off x="6176160" y="2362320"/>
+            <a:ext cx="3787560" cy="3190320"/>
+          </a:xfrm>
+          <a:prstGeom prst="rect">
+            <a:avLst/>
+          </a:prstGeom>
+          <a:ln>
+            <a:noFill/>
+          </a:ln>
+        </p:spPr>
+      </p:pic>
+    </p:spTree>
+  </p:cSld>
+  <mc:AlternateContent>
+    <mc:Choice Requires="p14">
+      <p:transition spd="slow" p14:dur="2000"/>
+    </mc:Choice>
+    <mc:Fallback>
+      <p:transition spd="slow"/>
+    </mc:Fallback>
+  </mc:AlternateContent>
+</p:sld>
+</file>
+
+<file path=ppt/slides/slide2.xml><?xml version="1.0" encoding="utf-8"?>
+<p:sld xmlns:a="http://schemas.openxmlformats.org/drawingml/2006/main" xmlns:p="http://schemas.openxmlformats.org/presentationml/2006/main" xmlns:r="http://schemas.openxmlformats.org/officeDocument/2006/relationships" xmlns:p14="http://schemas.microsoft.com/office/powerpoint/2010/main" xmlns:p15="http://schemas.microsoft.com/office/powerpoint/2012/main" xmlns:mc="http://schemas.openxmlformats.org/markup-compatibility/2006">
+  <p:cSld>
+    <p:spTree>
+      <p:nvGrpSpPr>
+        <p:cNvPr id="1" name=""/>
+        <p:cNvGrpSpPr/>
+        <p:nvPr/>
+      </p:nvGrpSpPr>
+      <p:grpSpPr>
+        <a:xfrm>
+          <a:off x="0" y="0"/>
+          <a:ext cx="0" cy="0"/>
+          <a:chOff x="0" y="0"/>
+          <a:chExt cx="0" cy="0"/>
+        </a:xfrm>
+      </p:grpSpPr>
+      <p:sp>
+        <p:nvSpPr>
+          <p:cNvPr id="42" name="TextShape 1"/>
+          <p:cNvSpPr txBox="1"/>
+          <p:nvPr/>
+        </p:nvSpPr>
+        <p:spPr>
+          <a:xfrm>
+            <a:off x="504000" y="226080"/>
+            <a:ext cx="9071280" cy="946080"/>
+          </a:xfrm>
+          <a:prstGeom prst="rect">
+            <a:avLst/>
+          </a:prstGeom>
+          <a:noFill/>
+          <a:ln>
+            <a:noFill/>
+          </a:ln>
+        </p:spPr>
+        <p:txBody>
+          <a:bodyPr lIns="0" rIns="0" tIns="0" bIns="0" anchor="ctr">
+            <a:noAutofit/>
+          </a:bodyPr>
+          <a:p>
+            <a:pPr algn="ctr"/>
+            <a:r>
+              <a:rPr b="0" lang="en-US" sz="4400" spc="-1" strike="noStrike">
+                <a:latin typeface="Arial"/>
+              </a:rPr>
+              <a:t>Q. What's JAX?  A. </a:t>
+            </a:r>
+            <a:r>
+              <a:rPr b="0" lang="en-US" sz="4400" spc="-1" strike="noStrike">
+                <a:solidFill>
+                  <a:srgbClr val="c9211e"/>
+                </a:solidFill>
+                <a:latin typeface="Arial"/>
+              </a:rPr>
+              <a:t>20X+grid</a:t>
+            </a:r>
+            <a:r>
+              <a:rPr b="0" lang="en-US" sz="4400" spc="-1" strike="noStrike">
+                <a:latin typeface="Arial"/>
+              </a:rPr>
+              <a:t> up!</a:t>
+            </a:r>
+            <a:endParaRPr b="0" lang="en-US" sz="4400" spc="-1" strike="noStrike">
+              <a:latin typeface="Arial"/>
+            </a:endParaRPr>
+          </a:p>
+        </p:txBody>
+      </p:sp>
+      <p:sp>
+        <p:nvSpPr>
+          <p:cNvPr id="43" name="TextShape 2"/>
+          <p:cNvSpPr txBox="1"/>
+          <p:nvPr/>
+        </p:nvSpPr>
+        <p:spPr>
+          <a:xfrm>
+            <a:off x="504000" y="1326600"/>
+            <a:ext cx="9072000" cy="3288600"/>
+          </a:xfrm>
+          <a:prstGeom prst="rect">
+            <a:avLst/>
+          </a:prstGeom>
+          <a:noFill/>
+          <a:ln>
+            <a:noFill/>
+          </a:ln>
+        </p:spPr>
+        <p:txBody>
+          <a:bodyPr lIns="0" rIns="0" tIns="0" bIns="0">
+            <a:normAutofit fontScale="82000"/>
+          </a:bodyPr>
+          <a:p>
+            <a:pPr marL="432000" indent="-324000">
+              <a:spcBef>
+                <a:spcPts val="1417"/>
+              </a:spcBef>
+              <a:buClr>
+                <a:srgbClr val="000000"/>
+              </a:buClr>
+              <a:buSzPct val="45000"/>
+              <a:buFont typeface="Wingdings" charset="2"/>
+              <a:buChar char=""/>
+            </a:pPr>
+            <a:r>
+              <a:rPr b="0" lang="en-US" sz="3200" spc="-1" strike="noStrike">
+                <a:latin typeface="Arial"/>
+              </a:rPr>
+              <a:t>It's a GPU version of </a:t>
+            </a:r>
+            <a:r>
+              <a:rPr b="0" lang="en-US" sz="3200" spc="-1" strike="noStrike">
+                <a:latin typeface="Arial"/>
+              </a:rPr>
+              <a:t>numpy simply!</a:t>
+            </a:r>
+            <a:endParaRPr b="0" lang="en-US" sz="3200" spc="-1" strike="noStrike">
+              <a:latin typeface="Arial"/>
+            </a:endParaRPr>
+          </a:p>
+          <a:p>
+            <a:pPr marL="432000" indent="-324000">
+              <a:spcBef>
+                <a:spcPts val="1417"/>
+              </a:spcBef>
+              <a:buClr>
+                <a:srgbClr val="000000"/>
+              </a:buClr>
+              <a:buSzPct val="45000"/>
+              <a:buFont typeface="Wingdings" charset="2"/>
+              <a:buChar char=""/>
+            </a:pPr>
+            <a:r>
+              <a:rPr b="0" lang="en-US" sz="3200" spc="-1" strike="noStrike">
+                <a:latin typeface="Arial"/>
+              </a:rPr>
+              <a:t>JAX = AutoGrad + </a:t>
+            </a:r>
+            <a:r>
+              <a:rPr b="0" lang="en-US" sz="3200" spc="-1" strike="noStrike">
+                <a:latin typeface="Arial"/>
+              </a:rPr>
+              <a:t>XLA</a:t>
+            </a:r>
+            <a:endParaRPr b="0" lang="en-US" sz="3200" spc="-1" strike="noStrike">
+              <a:latin typeface="Arial"/>
+            </a:endParaRPr>
+          </a:p>
+          <a:p>
+            <a:pPr marL="432000" indent="-324000">
+              <a:spcBef>
+                <a:spcPts val="1417"/>
+              </a:spcBef>
+              <a:buClr>
+                <a:srgbClr val="000000"/>
+              </a:buClr>
+              <a:buSzPct val="45000"/>
+              <a:buFont typeface="Wingdings" charset="2"/>
+              <a:buChar char=""/>
+            </a:pPr>
+            <a:r>
+              <a:rPr b="0" lang="en-US" sz="3200" spc="-1" strike="noStrike">
+                <a:latin typeface="Arial"/>
+              </a:rPr>
+              <a:t>JAX can upgrade </a:t>
+            </a:r>
+            <a:r>
+              <a:rPr b="0" lang="en-US" sz="3200" spc="-1" strike="noStrike">
+                <a:latin typeface="Arial"/>
+              </a:rPr>
+              <a:t>single-node, cpu-</a:t>
+            </a:r>
+            <a:r>
+              <a:rPr b="0" lang="en-US" sz="3200" spc="-1" strike="noStrike">
+                <a:latin typeface="Arial"/>
+              </a:rPr>
+              <a:t>based numpy code! </a:t>
+            </a:r>
+            <a:r>
+              <a:rPr b="0" lang="en-US" sz="3200" spc="-1" strike="noStrike">
+                <a:latin typeface="Arial"/>
+              </a:rPr>
+              <a:t>(running onto 1-node </a:t>
+            </a:r>
+            <a:r>
+              <a:rPr b="0" lang="en-US" sz="3200" spc="-1" strike="noStrike">
+                <a:latin typeface="Arial"/>
+              </a:rPr>
+              <a:t>hardware (TPU,GPU) </a:t>
+            </a:r>
+            <a:r>
+              <a:rPr b="0" lang="en-US" sz="3200" spc="-1" strike="noStrike">
+                <a:latin typeface="Arial"/>
+              </a:rPr>
+              <a:t>with 20X speed);</a:t>
+            </a:r>
+            <a:endParaRPr b="0" lang="en-US" sz="3200" spc="-1" strike="noStrike">
+              <a:latin typeface="Arial"/>
+            </a:endParaRPr>
+          </a:p>
+          <a:p>
+            <a:pPr marL="432000" indent="-324000">
+              <a:spcBef>
+                <a:spcPts val="1417"/>
+              </a:spcBef>
+              <a:buClr>
+                <a:srgbClr val="000000"/>
+              </a:buClr>
+              <a:buSzPct val="45000"/>
+              <a:buFont typeface="Wingdings" charset="2"/>
+              <a:buChar char=""/>
+            </a:pPr>
+            <a:r>
+              <a:rPr b="0" lang="en-US" sz="3200" spc="-1" strike="noStrike">
+                <a:latin typeface="Arial"/>
+              </a:rPr>
+              <a:t>and then more, can </a:t>
+            </a:r>
+            <a:r>
+              <a:rPr b="0" lang="en-US" sz="3200" spc="-1" strike="noStrike">
+                <a:latin typeface="Arial"/>
+              </a:rPr>
+              <a:t>be migrated easiest </a:t>
+            </a:r>
+            <a:r>
+              <a:rPr b="0" lang="en-US" sz="3200" spc="-1" strike="noStrike">
+                <a:latin typeface="Arial"/>
+              </a:rPr>
+              <a:t>from 1-node into a </a:t>
+            </a:r>
+            <a:r>
+              <a:rPr b="0" lang="en-US" sz="3200" spc="-1" strike="noStrike">
+                <a:latin typeface="Arial"/>
+              </a:rPr>
+              <a:t>TPU/GPU grid with </a:t>
+            </a:r>
+            <a:r>
+              <a:rPr b="0" lang="en-US" sz="3200" spc="-1" strike="noStrike">
+                <a:latin typeface="Arial"/>
+              </a:rPr>
+              <a:t>grid power!</a:t>
+            </a:r>
+            <a:endParaRPr b="0" lang="en-US" sz="3200" spc="-1" strike="noStrike">
+              <a:latin typeface="Arial"/>
+            </a:endParaRPr>
+          </a:p>
+        </p:txBody>
+      </p:sp>
+    </p:spTree>
+  </p:cSld>
+  <mc:AlternateContent>
+    <mc:Choice Requires="p14">
+      <p:transition spd="slow" p14:dur="2000"/>
+    </mc:Choice>
+    <mc:Fallback>
+      <p:transition spd="slow"/>
+    </mc:Fallback>
+  </mc:AlternateContent>
+</p:sld>
+</file>
+
+<file path=ppt/slides/slide3.xml><?xml version="1.0" encoding="utf-8"?>
+<p:sld xmlns:a="http://schemas.openxmlformats.org/drawingml/2006/main" xmlns:p="http://schemas.openxmlformats.org/presentationml/2006/main" xmlns:r="http://schemas.openxmlformats.org/officeDocument/2006/relationships" xmlns:p14="http://schemas.microsoft.com/office/powerpoint/2010/main" xmlns:p15="http://schemas.microsoft.com/office/powerpoint/2012/main" xmlns:mc="http://schemas.openxmlformats.org/markup-compatibility/2006">
+  <p:cSld>
+    <p:spTree>
+      <p:nvGrpSpPr>
+        <p:cNvPr id="1" name=""/>
+        <p:cNvGrpSpPr/>
+        <p:nvPr/>
+      </p:nvGrpSpPr>
+      <p:grpSpPr>
+        <a:xfrm>
+          <a:off x="0" y="0"/>
+          <a:ext cx="0" cy="0"/>
+          <a:chOff x="0" y="0"/>
+          <a:chExt cx="0" cy="0"/>
+        </a:xfrm>
+      </p:grpSpPr>
+      <p:sp>
+        <p:nvSpPr>
+          <p:cNvPr id="44" name="TextShape 1"/>
+          <p:cNvSpPr txBox="1"/>
+          <p:nvPr/>
+        </p:nvSpPr>
+        <p:spPr>
+          <a:xfrm>
+            <a:off x="504000" y="226080"/>
+            <a:ext cx="9071280" cy="946080"/>
+          </a:xfrm>
+          <a:prstGeom prst="rect">
+            <a:avLst/>
+          </a:prstGeom>
+          <a:noFill/>
+          <a:ln>
+            <a:noFill/>
+          </a:ln>
+        </p:spPr>
+        <p:txBody>
+          <a:bodyPr lIns="0" rIns="0" tIns="0" bIns="0" anchor="ctr">
+            <a:noAutofit/>
+          </a:bodyPr>
+          <a:p>
+            <a:pPr algn="ctr"/>
+            <a:r>
+              <a:rPr b="0" lang="en-US" sz="4400" spc="-1" strike="noStrike">
+                <a:latin typeface="Arial"/>
+              </a:rPr>
+              <a:t>JAX:   Pros &amp; Cons</a:t>
+            </a:r>
+            <a:endParaRPr b="0" lang="en-US" sz="4400" spc="-1" strike="noStrike">
+              <a:latin typeface="Arial"/>
+            </a:endParaRPr>
+          </a:p>
+        </p:txBody>
+      </p:sp>
+      <p:sp>
+        <p:nvSpPr>
+          <p:cNvPr id="45" name="TextShape 2"/>
+          <p:cNvSpPr txBox="1"/>
+          <p:nvPr/>
+        </p:nvSpPr>
+        <p:spPr>
+          <a:xfrm>
+            <a:off x="504000" y="1326600"/>
+            <a:ext cx="4426920" cy="3288600"/>
+          </a:xfrm>
+          <a:prstGeom prst="rect">
+            <a:avLst/>
+          </a:prstGeom>
+          <a:noFill/>
+          <a:ln>
+            <a:noFill/>
+          </a:ln>
+        </p:spPr>
+        <p:txBody>
+          <a:bodyPr lIns="0" rIns="0" tIns="0" bIns="0">
+            <a:normAutofit fontScale="11000"/>
+          </a:bodyPr>
+          <a:p>
+            <a:pPr marL="432000" indent="-324000">
+              <a:spcBef>
+                <a:spcPts val="1417"/>
+              </a:spcBef>
+              <a:buClr>
+                <a:srgbClr val="000000"/>
+              </a:buClr>
+              <a:buSzPct val="45000"/>
+              <a:buFont typeface="Wingdings" charset="2"/>
+              <a:buChar char=""/>
+            </a:pPr>
+            <a:r>
+              <a:rPr b="0" lang="en-US" sz="2800" spc="-1" strike="noStrike">
+                <a:latin typeface="Arial"/>
+              </a:rPr>
+              <a:t>Pros:</a:t>
+            </a:r>
+            <a:endParaRPr b="0" lang="en-US" sz="2800" spc="-1" strike="noStrike">
+              <a:latin typeface="Arial"/>
+            </a:endParaRPr>
+          </a:p>
+          <a:p>
+            <a:pPr marL="432000" indent="-324000">
+              <a:spcBef>
+                <a:spcPts val="1417"/>
+              </a:spcBef>
+              <a:buClr>
+                <a:srgbClr val="000000"/>
+              </a:buClr>
+              <a:buSzPct val="45000"/>
+              <a:buFont typeface="Wingdings" charset="2"/>
+              <a:buChar char=""/>
+            </a:pPr>
+            <a:r>
+              <a:rPr b="0" lang="en-US" sz="3200" spc="-1" strike="noStrike">
+                <a:latin typeface="Arial"/>
+              </a:rPr>
+              <a:t>JAX is easy to use ○</a:t>
+            </a:r>
+            <a:endParaRPr b="0" lang="en-US" sz="3200" spc="-1" strike="noStrike">
+              <a:latin typeface="Arial"/>
+            </a:endParaRPr>
+          </a:p>
+          <a:p>
+            <a:pPr marL="432000" indent="-324000">
+              <a:spcBef>
+                <a:spcPts val="1417"/>
+              </a:spcBef>
+              <a:buClr>
+                <a:srgbClr val="000000"/>
+              </a:buClr>
+              <a:buSzPct val="45000"/>
+              <a:buFont typeface="Wingdings" charset="2"/>
+              <a:buChar char=""/>
+            </a:pPr>
+            <a:r>
+              <a:rPr b="0" lang="en-US" sz="3200" spc="-1" strike="noStrike">
+                <a:latin typeface="Arial"/>
+              </a:rPr>
+              <a:t> </a:t>
+            </a:r>
+            <a:r>
+              <a:rPr b="0" lang="en-US" sz="3200" spc="-1" strike="noStrike">
+                <a:latin typeface="Arial"/>
+              </a:rPr>
+              <a:t>Minimal + expressive API (NumPy + function transformations) ○ </a:t>
+            </a:r>
+            <a:endParaRPr b="0" lang="en-US" sz="3200" spc="-1" strike="noStrike">
+              <a:latin typeface="Arial"/>
+            </a:endParaRPr>
+          </a:p>
+          <a:p>
+            <a:pPr marL="432000" indent="-324000">
+              <a:spcBef>
+                <a:spcPts val="1417"/>
+              </a:spcBef>
+              <a:buClr>
+                <a:srgbClr val="000000"/>
+              </a:buClr>
+              <a:buSzPct val="45000"/>
+              <a:buFont typeface="Wingdings" charset="2"/>
+              <a:buChar char=""/>
+            </a:pPr>
+            <a:r>
+              <a:rPr b="0" lang="en-US" sz="3200" spc="-1" strike="noStrike">
+                <a:latin typeface="Arial"/>
+              </a:rPr>
+              <a:t>Can understand “what it’s doing” ○</a:t>
+            </a:r>
+            <a:endParaRPr b="0" lang="en-US" sz="3200" spc="-1" strike="noStrike">
+              <a:latin typeface="Arial"/>
+            </a:endParaRPr>
+          </a:p>
+          <a:p>
+            <a:pPr marL="432000" indent="-324000">
+              <a:spcBef>
+                <a:spcPts val="1417"/>
+              </a:spcBef>
+              <a:buClr>
+                <a:srgbClr val="000000"/>
+              </a:buClr>
+              <a:buSzPct val="45000"/>
+              <a:buFont typeface="Wingdings" charset="2"/>
+              <a:buChar char=""/>
+            </a:pPr>
+            <a:r>
+              <a:rPr b="0" lang="en-US" sz="3200" spc="-1" strike="noStrike">
+                <a:latin typeface="Arial"/>
+              </a:rPr>
+              <a:t>Same API for CPU/GPU/TPU </a:t>
+            </a:r>
+            <a:endParaRPr b="0" lang="en-US" sz="3200" spc="-1" strike="noStrike">
+              <a:latin typeface="Arial"/>
+            </a:endParaRPr>
+          </a:p>
+          <a:p>
+            <a:pPr marL="432000" indent="-324000">
+              <a:spcBef>
+                <a:spcPts val="1417"/>
+              </a:spcBef>
+              <a:buClr>
+                <a:srgbClr val="000000"/>
+              </a:buClr>
+              <a:buSzPct val="45000"/>
+              <a:buFont typeface="Wingdings" charset="2"/>
+              <a:buChar char=""/>
+            </a:pPr>
+            <a:r>
+              <a:rPr b="0" lang="en-US" sz="3200" spc="-1" strike="noStrike">
+                <a:latin typeface="Arial"/>
+              </a:rPr>
+              <a:t>JAX is fast ○ Good performance out-of-the-box ○</a:t>
+            </a:r>
+            <a:endParaRPr b="0" lang="en-US" sz="3200" spc="-1" strike="noStrike">
+              <a:latin typeface="Arial"/>
+            </a:endParaRPr>
+          </a:p>
+          <a:p>
+            <a:pPr marL="432000" indent="-324000">
+              <a:spcBef>
+                <a:spcPts val="1417"/>
+              </a:spcBef>
+              <a:buClr>
+                <a:srgbClr val="000000"/>
+              </a:buClr>
+              <a:buSzPct val="45000"/>
+              <a:buFont typeface="Wingdings" charset="2"/>
+              <a:buChar char=""/>
+            </a:pPr>
+            <a:r>
+              <a:rPr b="0" lang="en-US" sz="3200" spc="-1" strike="noStrike">
+                <a:latin typeface="Arial"/>
+              </a:rPr>
+              <a:t>Simple parallelization model (pmap) 3. </a:t>
+            </a:r>
+            <a:endParaRPr b="0" lang="en-US" sz="3200" spc="-1" strike="noStrike">
+              <a:latin typeface="Arial"/>
+            </a:endParaRPr>
+          </a:p>
+          <a:p>
+            <a:pPr marL="432000" indent="-324000">
+              <a:spcBef>
+                <a:spcPts val="1417"/>
+              </a:spcBef>
+              <a:buClr>
+                <a:srgbClr val="000000"/>
+              </a:buClr>
+              <a:buSzPct val="45000"/>
+              <a:buFont typeface="Wingdings" charset="2"/>
+              <a:buChar char=""/>
+            </a:pPr>
+            <a:r>
+              <a:rPr b="0" lang="en-US" sz="3200" spc="-1" strike="noStrike">
+                <a:latin typeface="Arial"/>
+              </a:rPr>
+              <a:t>Robust and powerful transformations 4.</a:t>
+            </a:r>
+            <a:endParaRPr b="0" lang="en-US" sz="3200" spc="-1" strike="noStrike">
+              <a:latin typeface="Arial"/>
+            </a:endParaRPr>
+          </a:p>
+          <a:p>
+            <a:pPr marL="432000" indent="-324000">
+              <a:spcBef>
+                <a:spcPts val="1417"/>
+              </a:spcBef>
+              <a:buClr>
+                <a:srgbClr val="000000"/>
+              </a:buClr>
+              <a:buSzPct val="45000"/>
+              <a:buFont typeface="Wingdings" charset="2"/>
+              <a:buChar char=""/>
+            </a:pPr>
+            <a:r>
+              <a:rPr b="0" lang="en-US" sz="3200" spc="-1" strike="noStrike">
+                <a:latin typeface="Arial"/>
+              </a:rPr>
+              <a:t>Functional programming model ○ </a:t>
+            </a:r>
+            <a:endParaRPr b="0" lang="en-US" sz="3200" spc="-1" strike="noStrike">
+              <a:latin typeface="Arial"/>
+            </a:endParaRPr>
+          </a:p>
+          <a:p>
+            <a:pPr marL="432000" indent="-324000">
+              <a:spcBef>
+                <a:spcPts val="1417"/>
+              </a:spcBef>
+              <a:buClr>
+                <a:srgbClr val="000000"/>
+              </a:buClr>
+              <a:buSzPct val="45000"/>
+              <a:buFont typeface="Wingdings" charset="2"/>
+              <a:buChar char=""/>
+            </a:pPr>
+            <a:r>
+              <a:rPr b="0" lang="en-US" sz="3200" spc="-1" strike="noStrike">
+                <a:latin typeface="Arial"/>
+              </a:rPr>
+              <a:t>Aligns well with math ○ </a:t>
+            </a:r>
+            <a:endParaRPr b="0" lang="en-US" sz="3200" spc="-1" strike="noStrike">
+              <a:latin typeface="Arial"/>
+            </a:endParaRPr>
+          </a:p>
+          <a:p>
+            <a:pPr marL="432000" indent="-324000">
+              <a:spcBef>
+                <a:spcPts val="1417"/>
+              </a:spcBef>
+              <a:buClr>
+                <a:srgbClr val="000000"/>
+              </a:buClr>
+              <a:buSzPct val="45000"/>
+              <a:buFont typeface="Wingdings" charset="2"/>
+              <a:buChar char=""/>
+            </a:pPr>
+            <a:r>
+              <a:rPr b="0" lang="en-US" sz="3200" spc="-1" strike="noStrike">
+                <a:latin typeface="Arial"/>
+              </a:rPr>
+              <a:t>Reproducible results ○ </a:t>
+            </a:r>
+            <a:endParaRPr b="0" lang="en-US" sz="3200" spc="-1" strike="noStrike">
+              <a:latin typeface="Arial"/>
+            </a:endParaRPr>
+          </a:p>
+          <a:p>
+            <a:pPr marL="432000" indent="-324000">
+              <a:spcBef>
+                <a:spcPts val="1417"/>
+              </a:spcBef>
+              <a:buClr>
+                <a:srgbClr val="000000"/>
+              </a:buClr>
+              <a:buSzPct val="45000"/>
+              <a:buFont typeface="Wingdings" charset="2"/>
+              <a:buChar char=""/>
+            </a:pPr>
+            <a:r>
+              <a:rPr b="0" lang="en-US" sz="3200" spc="-1" strike="noStrike">
+                <a:latin typeface="Arial"/>
+              </a:rPr>
+              <a:t>Easier to debug ○ </a:t>
+            </a:r>
+            <a:endParaRPr b="0" lang="en-US" sz="3200" spc="-1" strike="noStrike">
+              <a:latin typeface="Arial"/>
+            </a:endParaRPr>
+          </a:p>
+          <a:p>
+            <a:pPr marL="432000" indent="-324000">
+              <a:spcBef>
+                <a:spcPts val="1417"/>
+              </a:spcBef>
+              <a:buClr>
+                <a:srgbClr val="000000"/>
+              </a:buClr>
+              <a:buSzPct val="45000"/>
+              <a:buFont typeface="Wingdings" charset="2"/>
+              <a:buChar char=""/>
+            </a:pPr>
+            <a:r>
+              <a:rPr b="0" lang="en-US" sz="3200" spc="-1" strike="noStrike">
+                <a:latin typeface="Arial"/>
+              </a:rPr>
+              <a:t>The key to JAX’s superpowers.</a:t>
+            </a:r>
+            <a:endParaRPr b="0" lang="en-US" sz="3200" spc="-1" strike="noStrike">
+              <a:latin typeface="Arial"/>
+            </a:endParaRPr>
+          </a:p>
+          <a:p>
+            <a:pPr marL="432000" indent="-324000">
+              <a:spcBef>
+                <a:spcPts val="1417"/>
+              </a:spcBef>
+              <a:buClr>
+                <a:srgbClr val="000000"/>
+              </a:buClr>
+              <a:buSzPct val="45000"/>
+              <a:buFont typeface="Wingdings" charset="2"/>
+              <a:buChar char=""/>
+            </a:pPr>
+            <a:endParaRPr b="0" lang="en-US" sz="3200" spc="-1" strike="noStrike">
+              <a:latin typeface="Arial"/>
+            </a:endParaRPr>
+          </a:p>
+        </p:txBody>
+      </p:sp>
+      <p:sp>
+        <p:nvSpPr>
+          <p:cNvPr id="46" name="TextShape 3"/>
+          <p:cNvSpPr txBox="1"/>
+          <p:nvPr/>
+        </p:nvSpPr>
+        <p:spPr>
+          <a:xfrm>
+            <a:off x="5152680" y="1326600"/>
+            <a:ext cx="4426920" cy="3288600"/>
+          </a:xfrm>
+          <a:prstGeom prst="rect">
+            <a:avLst/>
+          </a:prstGeom>
+          <a:noFill/>
+          <a:ln>
+            <a:noFill/>
+          </a:ln>
+        </p:spPr>
+        <p:txBody>
+          <a:bodyPr lIns="0" rIns="0" tIns="0" bIns="0">
+            <a:normAutofit fontScale="23000"/>
+          </a:bodyPr>
+          <a:p>
+            <a:pPr marL="432000" indent="-324000">
+              <a:spcBef>
+                <a:spcPts val="1417"/>
+              </a:spcBef>
+              <a:buClr>
+                <a:srgbClr val="000000"/>
+              </a:buClr>
+              <a:buSzPct val="45000"/>
+              <a:buFont typeface="Wingdings" charset="2"/>
+              <a:buChar char=""/>
+            </a:pPr>
+            <a:r>
+              <a:rPr b="0" lang="en-US" sz="3200" spc="-1" strike="noStrike">
+                <a:latin typeface="Arial"/>
+              </a:rPr>
+              <a:t>Cons</a:t>
+            </a:r>
+            <a:endParaRPr b="0" lang="en-US" sz="3200" spc="-1" strike="noStrike">
+              <a:latin typeface="Arial"/>
+            </a:endParaRPr>
+          </a:p>
+          <a:p>
+            <a:pPr marL="432000" indent="-324000">
+              <a:spcBef>
+                <a:spcPts val="1417"/>
+              </a:spcBef>
+              <a:buClr>
+                <a:srgbClr val="000000"/>
+              </a:buClr>
+              <a:buSzPct val="45000"/>
+              <a:buFont typeface="Wingdings" charset="2"/>
+              <a:buChar char=""/>
+            </a:pPr>
+            <a:endParaRPr b="0" lang="en-US" sz="3200" spc="-1" strike="noStrike">
+              <a:latin typeface="Arial"/>
+            </a:endParaRPr>
+          </a:p>
+          <a:p>
+            <a:pPr marL="432000" indent="-324000">
+              <a:spcBef>
+                <a:spcPts val="1417"/>
+              </a:spcBef>
+              <a:buClr>
+                <a:srgbClr val="000000"/>
+              </a:buClr>
+              <a:buSzPct val="45000"/>
+              <a:buFont typeface="Wingdings" charset="2"/>
+              <a:buChar char=""/>
+            </a:pPr>
+            <a:r>
+              <a:rPr b="0" lang="en-US" sz="3200" spc="-1" strike="noStrike">
+                <a:latin typeface="Arial"/>
+              </a:rPr>
+              <a:t>1. Limited higher-level libraries for layers/models ○ Stay tuned! </a:t>
+            </a:r>
+            <a:endParaRPr b="0" lang="en-US" sz="3200" spc="-1" strike="noStrike">
+              <a:latin typeface="Arial"/>
+            </a:endParaRPr>
+          </a:p>
+          <a:p>
+            <a:pPr marL="432000" indent="-324000">
+              <a:spcBef>
+                <a:spcPts val="1417"/>
+              </a:spcBef>
+              <a:buClr>
+                <a:srgbClr val="000000"/>
+              </a:buClr>
+              <a:buSzPct val="45000"/>
+              <a:buFont typeface="Wingdings" charset="2"/>
+              <a:buChar char=""/>
+            </a:pPr>
+            <a:r>
+              <a:rPr b="0" lang="en-US" sz="3200" spc="-1" strike="noStrike">
+                <a:latin typeface="Arial"/>
+              </a:rPr>
+              <a:t>2. Per-op dispatch overhead not fully optimized ○ </a:t>
+            </a:r>
+            <a:endParaRPr b="0" lang="en-US" sz="3200" spc="-1" strike="noStrike">
+              <a:latin typeface="Arial"/>
+            </a:endParaRPr>
+          </a:p>
+          <a:p>
+            <a:pPr marL="432000" indent="-324000">
+              <a:spcBef>
+                <a:spcPts val="1417"/>
+              </a:spcBef>
+              <a:buClr>
+                <a:srgbClr val="000000"/>
+              </a:buClr>
+              <a:buSzPct val="45000"/>
+              <a:buFont typeface="Wingdings" charset="2"/>
+              <a:buChar char=""/>
+            </a:pPr>
+            <a:r>
+              <a:rPr b="0" lang="en-US" sz="3200" spc="-1" strike="noStrike">
+                <a:latin typeface="Arial"/>
+              </a:rPr>
+              <a:t>Solution 1: keep optimizing ○ </a:t>
+            </a:r>
+            <a:endParaRPr b="0" lang="en-US" sz="3200" spc="-1" strike="noStrike">
+              <a:latin typeface="Arial"/>
+            </a:endParaRPr>
+          </a:p>
+          <a:p>
+            <a:pPr marL="432000" indent="-324000">
+              <a:spcBef>
+                <a:spcPts val="1417"/>
+              </a:spcBef>
+              <a:buClr>
+                <a:srgbClr val="000000"/>
+              </a:buClr>
+              <a:buSzPct val="45000"/>
+              <a:buFont typeface="Wingdings" charset="2"/>
+              <a:buChar char=""/>
+            </a:pPr>
+            <a:r>
+              <a:rPr b="0" lang="en-US" sz="3200" spc="-1" strike="noStrike">
+                <a:latin typeface="Arial"/>
+              </a:rPr>
+              <a:t>Solution 2: more jit </a:t>
+            </a:r>
+            <a:endParaRPr b="0" lang="en-US" sz="3200" spc="-1" strike="noStrike">
+              <a:latin typeface="Arial"/>
+            </a:endParaRPr>
+          </a:p>
+          <a:p>
+            <a:pPr marL="432000" indent="-324000">
+              <a:spcBef>
+                <a:spcPts val="1417"/>
+              </a:spcBef>
+              <a:buClr>
+                <a:srgbClr val="000000"/>
+              </a:buClr>
+              <a:buSzPct val="45000"/>
+              <a:buFont typeface="Wingdings" charset="2"/>
+              <a:buChar char=""/>
+            </a:pPr>
+            <a:r>
+              <a:rPr b="0" lang="en-US" sz="3200" spc="-1" strike="noStrike">
+                <a:latin typeface="Arial"/>
+              </a:rPr>
+              <a:t>3. Transforms only work on pure functions ○ User-promi</a:t>
+            </a:r>
+            <a:endParaRPr b="0" lang="en-US" sz="3200" spc="-1" strike="noStrike">
+              <a:latin typeface="Arial"/>
+            </a:endParaRPr>
+          </a:p>
+          <a:p>
+            <a:pPr marL="432000" indent="-324000">
+              <a:spcBef>
+                <a:spcPts val="1417"/>
+              </a:spcBef>
+              <a:buClr>
+                <a:srgbClr val="000000"/>
+              </a:buClr>
+              <a:buSzPct val="45000"/>
+              <a:buFont typeface="Wingdings" charset="2"/>
+              <a:buChar char=""/>
+            </a:pPr>
+            <a:endParaRPr b="0" lang="en-US" sz="3200" spc="-1" strike="noStrike">
+              <a:latin typeface="Arial"/>
+            </a:endParaRPr>
+          </a:p>
+        </p:txBody>
+      </p:sp>
+    </p:spTree>
+  </p:cSld>
+  <mc:AlternateContent>
+    <mc:Choice Requires="p14">
+      <p:transition spd="slow" p14:dur="2000"/>
+    </mc:Choice>
+    <mc:Fallback>
+      <p:transition spd="slow"/>
+    </mc:Fallback>
+  </mc:AlternateContent>
+</p:sld>
+</file>
+
+<file path=ppt/slides/slide4.xml><?xml version="1.0" encoding="utf-8"?>
+<p:sld xmlns:a="http://schemas.openxmlformats.org/drawingml/2006/main" xmlns:p="http://schemas.openxmlformats.org/presentationml/2006/main" xmlns:r="http://schemas.openxmlformats.org/officeDocument/2006/relationships" xmlns:p14="http://schemas.microsoft.com/office/powerpoint/2010/main" xmlns:p15="http://schemas.microsoft.com/office/powerpoint/2012/main" xmlns:mc="http://schemas.openxmlformats.org/markup-compatibility/2006">
+  <p:cSld>
+    <p:spTree>
+      <p:nvGrpSpPr>
+        <p:cNvPr id="1" name=""/>
+        <p:cNvGrpSpPr/>
+        <p:nvPr/>
+      </p:nvGrpSpPr>
+      <p:grpSpPr>
+        <a:xfrm>
+          <a:off x="0" y="0"/>
+          <a:ext cx="0" cy="0"/>
+          <a:chOff x="0" y="0"/>
+          <a:chExt cx="0" cy="0"/>
+        </a:xfrm>
+      </p:grpSpPr>
+      <p:sp>
+        <p:nvSpPr>
+          <p:cNvPr id="47" name="TextShape 1"/>
+          <p:cNvSpPr txBox="1"/>
+          <p:nvPr/>
+        </p:nvSpPr>
+        <p:spPr>
+          <a:xfrm>
+            <a:off x="504000" y="226080"/>
+            <a:ext cx="9071280" cy="946080"/>
+          </a:xfrm>
+          <a:prstGeom prst="rect">
+            <a:avLst/>
+          </a:prstGeom>
+          <a:noFill/>
+          <a:ln>
+            <a:noFill/>
+          </a:ln>
+        </p:spPr>
+        <p:txBody>
+          <a:bodyPr lIns="0" rIns="0" tIns="0" bIns="0" anchor="ctr">
+            <a:noAutofit/>
+          </a:bodyPr>
+          <a:p>
+            <a:pPr algn="ctr"/>
+            <a:r>
+              <a:rPr b="0" lang="en-US" sz="4400" spc="-1" strike="noStrike">
+                <a:latin typeface="Arial"/>
+              </a:rPr>
+              <a:t>Jax code architecture, </a:t>
+            </a:r>
+            <a:endParaRPr b="0" lang="en-US" sz="4400" spc="-1" strike="noStrike">
+              <a:latin typeface="Arial"/>
+            </a:endParaRPr>
+          </a:p>
+        </p:txBody>
+      </p:sp>
+      <p:sp>
+        <p:nvSpPr>
+          <p:cNvPr id="48" name="TextShape 2"/>
+          <p:cNvSpPr txBox="1"/>
+          <p:nvPr/>
+        </p:nvSpPr>
+        <p:spPr>
+          <a:xfrm>
+            <a:off x="504000" y="1326600"/>
+            <a:ext cx="4426920" cy="3288600"/>
+          </a:xfrm>
+          <a:prstGeom prst="rect">
+            <a:avLst/>
+          </a:prstGeom>
+          <a:noFill/>
+          <a:ln>
+            <a:noFill/>
+          </a:ln>
+        </p:spPr>
+        <p:txBody>
+          <a:bodyPr lIns="0" rIns="0" tIns="0" bIns="0">
+            <a:normAutofit fontScale="11000"/>
+          </a:bodyPr>
+          <a:p>
+            <a:pPr marL="432000" indent="-324000">
+              <a:spcBef>
+                <a:spcPts val="1417"/>
+              </a:spcBef>
+              <a:buClr>
+                <a:srgbClr val="000000"/>
+              </a:buClr>
+              <a:buSzPct val="45000"/>
+              <a:buFont typeface="Wingdings" charset="2"/>
+              <a:buChar char=""/>
+            </a:pPr>
+            <a:r>
+              <a:rPr b="0" lang="en-US" sz="3200" spc="-1" strike="noStrike">
+                <a:latin typeface="Arial"/>
+              </a:rPr>
+              <a:t># git clone </a:t>
+            </a:r>
+            <a:r>
+              <a:rPr b="0" lang="en-US" sz="3200" spc="-1" strike="noStrike">
+                <a:latin typeface="Arial"/>
+              </a:rPr>
+              <a:t>"https://github.com/go</a:t>
+            </a:r>
+            <a:r>
+              <a:rPr b="0" lang="en-US" sz="3200" spc="-1" strike="noStrike">
+                <a:latin typeface="Arial"/>
+              </a:rPr>
+              <a:t>ogle/jax.git"</a:t>
+            </a:r>
+            <a:endParaRPr b="0" lang="en-US" sz="3200" spc="-1" strike="noStrike">
+              <a:latin typeface="Arial"/>
+            </a:endParaRPr>
+          </a:p>
+          <a:p>
+            <a:pPr marL="432000" indent="-324000">
+              <a:spcBef>
+                <a:spcPts val="1417"/>
+              </a:spcBef>
+              <a:buClr>
+                <a:srgbClr val="000000"/>
+              </a:buClr>
+              <a:buSzPct val="45000"/>
+              <a:buFont typeface="Wingdings" charset="2"/>
+              <a:buChar char=""/>
+            </a:pPr>
+            <a:r>
+              <a:rPr b="0" lang="en-US" sz="4800" spc="-1" strike="noStrike">
+                <a:latin typeface="Arial"/>
+              </a:rPr>
+              <a:t>JAX </a:t>
+            </a:r>
+            <a:r>
+              <a:rPr b="0" lang="en-US" sz="4800" spc="-1" strike="noStrike">
+                <a:latin typeface="Arial"/>
+              </a:rPr>
+              <a:t>architecture/L</a:t>
+            </a:r>
+            <a:r>
+              <a:rPr b="0" lang="en-US" sz="4800" spc="-1" strike="noStrike">
+                <a:latin typeface="Arial"/>
+              </a:rPr>
+              <a:t>evel 1/top</a:t>
+            </a:r>
+            <a:endParaRPr b="0" lang="en-US" sz="4800" spc="-1" strike="noStrike">
+              <a:latin typeface="Arial"/>
+            </a:endParaRPr>
+          </a:p>
+          <a:p>
+            <a:pPr marL="432000" indent="-324000">
+              <a:spcBef>
+                <a:spcPts val="1417"/>
+              </a:spcBef>
+              <a:buClr>
+                <a:srgbClr val="000000"/>
+              </a:buClr>
+              <a:buSzPct val="45000"/>
+              <a:buFont typeface="Wingdings" charset="2"/>
+              <a:buChar char=""/>
+            </a:pPr>
+            <a:r>
+              <a:rPr b="0" lang="en-US" sz="3200" spc="-1" strike="noStrike">
+                <a:latin typeface="Arial"/>
+              </a:rPr>
+              <a:t> </a:t>
+            </a:r>
+            <a:endParaRPr b="0" lang="en-US" sz="3200" spc="-1" strike="noStrike">
+              <a:latin typeface="Arial"/>
+            </a:endParaRPr>
+          </a:p>
+          <a:p>
+            <a:pPr marL="432000" indent="-324000">
+              <a:spcBef>
+                <a:spcPts val="1417"/>
+              </a:spcBef>
+              <a:buClr>
+                <a:srgbClr val="000000"/>
+              </a:buClr>
+              <a:buSzPct val="45000"/>
+              <a:buFont typeface="Wingdings" charset="2"/>
+              <a:buChar char=""/>
+            </a:pPr>
+            <a:r>
+              <a:rPr b="0" lang="en-US" sz="3200" spc="-1" strike="noStrike">
+                <a:latin typeface="Arial"/>
+              </a:rPr>
+              <a:t>├── </a:t>
+            </a:r>
+            <a:r>
+              <a:rPr b="0" lang="en-US" sz="3200" spc="-1" strike="noStrike">
+                <a:latin typeface="Arial"/>
+              </a:rPr>
+              <a:t>benchmarks      </a:t>
+            </a:r>
+            <a:r>
+              <a:rPr b="0" lang="en-US" sz="3200" spc="-1" strike="noStrike">
+                <a:latin typeface="Arial"/>
+              </a:rPr>
+              <a:t>  ## (2) evaluation </a:t>
+            </a:r>
+            <a:r>
+              <a:rPr b="0" lang="en-US" sz="3200" spc="-1" strike="noStrike">
+                <a:latin typeface="Arial"/>
+              </a:rPr>
+              <a:t>start point</a:t>
+            </a:r>
+            <a:endParaRPr b="0" lang="en-US" sz="3200" spc="-1" strike="noStrike">
+              <a:latin typeface="Arial"/>
+            </a:endParaRPr>
+          </a:p>
+          <a:p>
+            <a:pPr marL="432000" indent="-324000">
+              <a:spcBef>
+                <a:spcPts val="1417"/>
+              </a:spcBef>
+              <a:buClr>
+                <a:srgbClr val="000000"/>
+              </a:buClr>
+              <a:buSzPct val="45000"/>
+              <a:buFont typeface="Wingdings" charset="2"/>
+              <a:buChar char=""/>
+            </a:pPr>
+            <a:r>
+              <a:rPr b="0" lang="en-US" sz="3200" spc="-1" strike="noStrike">
+                <a:latin typeface="Arial"/>
+              </a:rPr>
+              <a:t>├── </a:t>
+            </a:r>
+            <a:r>
+              <a:rPr b="0" lang="en-US" sz="3200" spc="-1" strike="noStrike">
+                <a:latin typeface="Arial"/>
+              </a:rPr>
+              <a:t>build</a:t>
+            </a:r>
+            <a:endParaRPr b="0" lang="en-US" sz="3200" spc="-1" strike="noStrike">
+              <a:latin typeface="Arial"/>
+            </a:endParaRPr>
+          </a:p>
+          <a:p>
+            <a:pPr marL="432000" indent="-324000">
+              <a:spcBef>
+                <a:spcPts val="1417"/>
+              </a:spcBef>
+              <a:buClr>
+                <a:srgbClr val="000000"/>
+              </a:buClr>
+              <a:buSzPct val="45000"/>
+              <a:buFont typeface="Wingdings" charset="2"/>
+              <a:buChar char=""/>
+            </a:pPr>
+            <a:r>
+              <a:rPr b="0" lang="en-US" sz="3200" spc="-1" strike="noStrike">
+                <a:latin typeface="Arial"/>
+              </a:rPr>
+              <a:t>├── </a:t>
+            </a:r>
+            <a:r>
+              <a:rPr b="0" lang="en-US" sz="3200" spc="-1" strike="noStrike">
+                <a:latin typeface="Arial"/>
+              </a:rPr>
+              <a:t>cloud_tpu_colabs</a:t>
+            </a:r>
+            <a:endParaRPr b="0" lang="en-US" sz="3200" spc="-1" strike="noStrike">
+              <a:latin typeface="Arial"/>
+            </a:endParaRPr>
+          </a:p>
+          <a:p>
+            <a:pPr marL="432000" indent="-324000">
+              <a:spcBef>
+                <a:spcPts val="1417"/>
+              </a:spcBef>
+              <a:buClr>
+                <a:srgbClr val="000000"/>
+              </a:buClr>
+              <a:buSzPct val="45000"/>
+              <a:buFont typeface="Wingdings" charset="2"/>
+              <a:buChar char=""/>
+            </a:pPr>
+            <a:r>
+              <a:rPr b="0" lang="en-US" sz="3200" spc="-1" strike="noStrike">
+                <a:latin typeface="Arial"/>
+              </a:rPr>
+              <a:t>├── </a:t>
+            </a:r>
+            <a:r>
+              <a:rPr b="0" lang="en-US" sz="3200" spc="-1" strike="noStrike">
+                <a:latin typeface="Arial"/>
+              </a:rPr>
+              <a:t>design_notes</a:t>
+            </a:r>
+            <a:endParaRPr b="0" lang="en-US" sz="3200" spc="-1" strike="noStrike">
+              <a:latin typeface="Arial"/>
+            </a:endParaRPr>
+          </a:p>
+          <a:p>
+            <a:pPr marL="432000" indent="-324000">
+              <a:spcBef>
+                <a:spcPts val="1417"/>
+              </a:spcBef>
+              <a:buClr>
+                <a:srgbClr val="000000"/>
+              </a:buClr>
+              <a:buSzPct val="45000"/>
+              <a:buFont typeface="Wingdings" charset="2"/>
+              <a:buChar char=""/>
+            </a:pPr>
+            <a:r>
+              <a:rPr b="0" lang="en-US" sz="3200" spc="-1" strike="noStrike">
+                <a:latin typeface="Arial"/>
+              </a:rPr>
+              <a:t>├── </a:t>
+            </a:r>
+            <a:r>
+              <a:rPr b="0" lang="en-US" sz="3200" spc="-1" strike="noStrike">
+                <a:latin typeface="Arial"/>
+              </a:rPr>
+              <a:t>docs</a:t>
+            </a:r>
+            <a:endParaRPr b="0" lang="en-US" sz="3200" spc="-1" strike="noStrike">
+              <a:latin typeface="Arial"/>
+            </a:endParaRPr>
+          </a:p>
+          <a:p>
+            <a:pPr marL="432000" indent="-324000">
+              <a:spcBef>
+                <a:spcPts val="1417"/>
+              </a:spcBef>
+              <a:buClr>
+                <a:srgbClr val="000000"/>
+              </a:buClr>
+              <a:buSzPct val="45000"/>
+              <a:buFont typeface="Wingdings" charset="2"/>
+              <a:buChar char=""/>
+            </a:pPr>
+            <a:r>
+              <a:rPr b="0" lang="en-US" sz="3200" spc="-1" strike="noStrike">
+                <a:latin typeface="Arial"/>
+              </a:rPr>
+              <a:t>├── </a:t>
+            </a:r>
+            <a:r>
+              <a:rPr b="0" lang="en-US" sz="3200" spc="-1" strike="noStrike">
+                <a:latin typeface="Arial"/>
+              </a:rPr>
+              <a:t>examples          </a:t>
+            </a:r>
+            <a:r>
+              <a:rPr b="0" lang="en-US" sz="3200" spc="-1" strike="noStrike">
+                <a:latin typeface="Arial"/>
+              </a:rPr>
+              <a:t> ## (1) frame work for </a:t>
+            </a:r>
+            <a:r>
+              <a:rPr b="0" lang="en-US" sz="3200" spc="-1" strike="noStrike">
+                <a:latin typeface="Arial"/>
+              </a:rPr>
+              <a:t>HPC ref. design</a:t>
+            </a:r>
+            <a:endParaRPr b="0" lang="en-US" sz="3200" spc="-1" strike="noStrike">
+              <a:latin typeface="Arial"/>
+            </a:endParaRPr>
+          </a:p>
+          <a:p>
+            <a:pPr marL="432000" indent="-324000">
+              <a:spcBef>
+                <a:spcPts val="1417"/>
+              </a:spcBef>
+              <a:buClr>
+                <a:srgbClr val="000000"/>
+              </a:buClr>
+              <a:buSzPct val="45000"/>
+              <a:buFont typeface="Wingdings" charset="2"/>
+              <a:buChar char=""/>
+            </a:pPr>
+            <a:r>
+              <a:rPr b="0" lang="en-US" sz="3200" spc="-1" strike="noStrike">
+                <a:latin typeface="Arial"/>
+              </a:rPr>
+              <a:t>├── </a:t>
+            </a:r>
+            <a:r>
+              <a:rPr b="0" lang="en-US" sz="3200" spc="-1" strike="noStrike">
+                <a:latin typeface="Arial"/>
+              </a:rPr>
+              <a:t>images</a:t>
+            </a:r>
+            <a:endParaRPr b="0" lang="en-US" sz="3200" spc="-1" strike="noStrike">
+              <a:latin typeface="Arial"/>
+            </a:endParaRPr>
+          </a:p>
+          <a:p>
+            <a:pPr marL="432000" indent="-324000">
+              <a:spcBef>
+                <a:spcPts val="1417"/>
+              </a:spcBef>
+              <a:buClr>
+                <a:srgbClr val="000000"/>
+              </a:buClr>
+              <a:buSzPct val="45000"/>
+              <a:buFont typeface="Wingdings" charset="2"/>
+              <a:buChar char=""/>
+            </a:pPr>
+            <a:r>
+              <a:rPr b="0" lang="en-US" sz="3200" spc="-1" strike="noStrike">
+                <a:latin typeface="Arial"/>
+              </a:rPr>
+              <a:t>├── </a:t>
+            </a:r>
+            <a:r>
+              <a:rPr b="0" lang="en-US" sz="3200" spc="-1" strike="noStrike">
+                <a:latin typeface="Arial"/>
+              </a:rPr>
+              <a:t>jax</a:t>
+            </a:r>
+            <a:endParaRPr b="0" lang="en-US" sz="3200" spc="-1" strike="noStrike">
+              <a:latin typeface="Arial"/>
+            </a:endParaRPr>
+          </a:p>
+          <a:p>
+            <a:pPr marL="432000" indent="-324000">
+              <a:spcBef>
+                <a:spcPts val="1417"/>
+              </a:spcBef>
+              <a:buClr>
+                <a:srgbClr val="000000"/>
+              </a:buClr>
+              <a:buSzPct val="45000"/>
+              <a:buFont typeface="Wingdings" charset="2"/>
+              <a:buChar char=""/>
+            </a:pPr>
+            <a:r>
+              <a:rPr b="0" lang="en-US" sz="3200" spc="-1" strike="noStrike">
+                <a:latin typeface="Arial"/>
+              </a:rPr>
+              <a:t>├── </a:t>
+            </a:r>
+            <a:r>
+              <a:rPr b="0" lang="en-US" sz="3200" spc="-1" strike="noStrike">
+                <a:latin typeface="Arial"/>
+              </a:rPr>
+              <a:t>jaxlib</a:t>
+            </a:r>
+            <a:endParaRPr b="0" lang="en-US" sz="3200" spc="-1" strike="noStrike">
+              <a:latin typeface="Arial"/>
+            </a:endParaRPr>
+          </a:p>
+          <a:p>
+            <a:pPr marL="432000" indent="-324000">
+              <a:spcBef>
+                <a:spcPts val="1417"/>
+              </a:spcBef>
+              <a:buClr>
+                <a:srgbClr val="000000"/>
+              </a:buClr>
+              <a:buSzPct val="45000"/>
+              <a:buFont typeface="Wingdings" charset="2"/>
+              <a:buChar char=""/>
+            </a:pPr>
+            <a:r>
+              <a:rPr b="0" lang="en-US" sz="3200" spc="-1" strike="noStrike">
+                <a:latin typeface="Arial"/>
+              </a:rPr>
+              <a:t>└── </a:t>
+            </a:r>
+            <a:r>
+              <a:rPr b="0" lang="en-US" sz="3200" spc="-1" strike="noStrike">
+                <a:latin typeface="Arial"/>
+              </a:rPr>
+              <a:t>tests                </a:t>
+            </a:r>
+            <a:r>
+              <a:rPr b="0" lang="en-US" sz="3200" spc="-1" strike="noStrike">
+                <a:latin typeface="Arial"/>
+              </a:rPr>
+              <a:t> ## (3) frame work for </a:t>
+            </a:r>
+            <a:r>
+              <a:rPr b="0" lang="en-US" sz="3200" spc="-1" strike="noStrike">
+                <a:latin typeface="Arial"/>
+              </a:rPr>
+              <a:t>HPC writing testing</a:t>
+            </a:r>
+            <a:endParaRPr b="0" lang="en-US" sz="3200" spc="-1" strike="noStrike">
+              <a:latin typeface="Arial"/>
+            </a:endParaRPr>
+          </a:p>
+          <a:p>
+            <a:pPr marL="432000" indent="-324000">
+              <a:spcBef>
+                <a:spcPts val="1417"/>
+              </a:spcBef>
+              <a:buClr>
+                <a:srgbClr val="000000"/>
+              </a:buClr>
+              <a:buSzPct val="45000"/>
+              <a:buFont typeface="Wingdings" charset="2"/>
+              <a:buChar char=""/>
+            </a:pPr>
+            <a:endParaRPr b="0" lang="en-US" sz="3200" spc="-1" strike="noStrike">
+              <a:latin typeface="Arial"/>
+            </a:endParaRPr>
+          </a:p>
+        </p:txBody>
+      </p:sp>
+      <p:sp>
+        <p:nvSpPr>
+          <p:cNvPr id="49" name="TextShape 3"/>
+          <p:cNvSpPr txBox="1"/>
+          <p:nvPr/>
+        </p:nvSpPr>
+        <p:spPr>
+          <a:xfrm>
+            <a:off x="5152680" y="1398600"/>
+            <a:ext cx="4426920" cy="3288600"/>
+          </a:xfrm>
+          <a:prstGeom prst="rect">
+            <a:avLst/>
+          </a:prstGeom>
+          <a:noFill/>
+          <a:ln>
+            <a:noFill/>
+          </a:ln>
+        </p:spPr>
+        <p:txBody>
+          <a:bodyPr lIns="0" rIns="0" tIns="0" bIns="0">
+            <a:normAutofit fontScale="1000"/>
+          </a:bodyPr>
+          <a:p>
+            <a:pPr marL="432000" indent="-324000">
+              <a:spcBef>
+                <a:spcPts val="1417"/>
+              </a:spcBef>
+              <a:buClr>
+                <a:srgbClr val="000000"/>
+              </a:buClr>
+              <a:buSzPct val="45000"/>
+              <a:buFont typeface="Wingdings" charset="2"/>
+              <a:buChar char=""/>
+            </a:pPr>
+            <a:r>
+              <a:rPr b="0" lang="en-US" sz="9600" spc="-1" strike="noStrike">
+                <a:latin typeface="Arial"/>
+              </a:rPr>
+              <a:t>Deep </a:t>
+            </a:r>
+            <a:r>
+              <a:rPr b="0" lang="en-US" sz="9600" spc="-1" strike="noStrike">
+                <a:latin typeface="Arial"/>
+              </a:rPr>
+              <a:t>JAX/A</a:t>
+            </a:r>
+            <a:r>
+              <a:rPr b="0" lang="en-US" sz="9600" spc="-1" strike="noStrike">
+                <a:latin typeface="Arial"/>
+              </a:rPr>
+              <a:t>RCHIT</a:t>
+            </a:r>
+            <a:r>
+              <a:rPr b="0" lang="en-US" sz="9600" spc="-1" strike="noStrike">
+                <a:latin typeface="Arial"/>
+              </a:rPr>
+              <a:t>ECTU</a:t>
+            </a:r>
+            <a:r>
+              <a:rPr b="0" lang="en-US" sz="9600" spc="-1" strike="noStrike">
+                <a:latin typeface="Arial"/>
+              </a:rPr>
+              <a:t>RE:  </a:t>
+            </a:r>
+            <a:r>
+              <a:rPr b="0" lang="en-US" sz="9600" spc="-1" strike="noStrike">
+                <a:latin typeface="Arial"/>
+              </a:rPr>
+              <a:t> softwa</a:t>
+            </a:r>
+            <a:r>
+              <a:rPr b="0" lang="en-US" sz="9600" spc="-1" strike="noStrike">
+                <a:latin typeface="Arial"/>
+              </a:rPr>
+              <a:t>re </a:t>
+            </a:r>
+            <a:r>
+              <a:rPr b="0" lang="en-US" sz="9600" spc="-1" strike="noStrike">
+                <a:latin typeface="Arial"/>
+              </a:rPr>
+              <a:t>archite</a:t>
+            </a:r>
+            <a:r>
+              <a:rPr b="0" lang="en-US" sz="9600" spc="-1" strike="noStrike">
+                <a:latin typeface="Arial"/>
+              </a:rPr>
+              <a:t>cture, </a:t>
+            </a:r>
+            <a:r>
+              <a:rPr b="0" lang="en-US" sz="9600" spc="-1" strike="noStrike">
+                <a:latin typeface="Arial"/>
+              </a:rPr>
+              <a:t>for </a:t>
+            </a:r>
+            <a:r>
+              <a:rPr b="0" lang="en-US" sz="9600" spc="-1" strike="noStrike">
+                <a:latin typeface="Arial"/>
+              </a:rPr>
+              <a:t>your </a:t>
+            </a:r>
+            <a:r>
+              <a:rPr b="0" lang="en-US" sz="9600" spc="-1" strike="noStrike">
+                <a:latin typeface="Arial"/>
+              </a:rPr>
+              <a:t>deep </a:t>
+            </a:r>
+            <a:r>
+              <a:rPr b="0" lang="en-US" sz="9600" spc="-1" strike="noStrike">
+                <a:latin typeface="Arial"/>
+              </a:rPr>
+              <a:t>dive </a:t>
+            </a:r>
+            <a:r>
+              <a:rPr b="0" lang="en-US" sz="9600" spc="-1" strike="noStrike">
+                <a:latin typeface="Arial"/>
+              </a:rPr>
+              <a:t>into </a:t>
+            </a:r>
+            <a:r>
+              <a:rPr b="0" lang="en-US" sz="9600" spc="-1" strike="noStrike">
+                <a:latin typeface="Arial"/>
+              </a:rPr>
+              <a:t>the </a:t>
+            </a:r>
+            <a:r>
+              <a:rPr b="0" lang="en-US" sz="9600" spc="-1" strike="noStrike">
+                <a:latin typeface="Arial"/>
+              </a:rPr>
+              <a:t>source </a:t>
+            </a:r>
+            <a:r>
+              <a:rPr b="0" lang="en-US" sz="9600" spc="-1" strike="noStrike">
+                <a:latin typeface="Arial"/>
+              </a:rPr>
+              <a:t>code, </a:t>
+            </a:r>
+            <a:r>
+              <a:rPr b="0" lang="en-US" sz="9600" spc="-1" strike="noStrike">
+                <a:latin typeface="Arial"/>
+              </a:rPr>
+              <a:t>and </a:t>
+            </a:r>
+            <a:r>
+              <a:rPr b="0" lang="en-US" sz="9600" spc="-1" strike="noStrike">
+                <a:latin typeface="Arial"/>
+              </a:rPr>
+              <a:t>find </a:t>
+            </a:r>
+            <a:r>
+              <a:rPr b="0" lang="en-US" sz="9600" spc="-1" strike="noStrike">
+                <a:latin typeface="Arial"/>
+              </a:rPr>
+              <a:t>right </a:t>
+            </a:r>
+            <a:r>
+              <a:rPr b="0" lang="en-US" sz="9600" spc="-1" strike="noStrike">
+                <a:latin typeface="Arial"/>
+              </a:rPr>
+              <a:t>frame</a:t>
+            </a:r>
+            <a:r>
+              <a:rPr b="0" lang="en-US" sz="9600" spc="-1" strike="noStrike">
+                <a:latin typeface="Arial"/>
+              </a:rPr>
+              <a:t>work to </a:t>
+            </a:r>
+            <a:r>
+              <a:rPr b="0" lang="en-US" sz="9600" spc="-1" strike="noStrike">
+                <a:latin typeface="Arial"/>
+              </a:rPr>
+              <a:t>start.</a:t>
+            </a:r>
+            <a:endParaRPr b="0" lang="en-US" sz="9600" spc="-1" strike="noStrike">
+              <a:latin typeface="Arial"/>
+            </a:endParaRPr>
+          </a:p>
+          <a:p>
+            <a:pPr marL="432000" indent="-324000">
+              <a:spcBef>
+                <a:spcPts val="1417"/>
+              </a:spcBef>
+              <a:buClr>
+                <a:srgbClr val="000000"/>
+              </a:buClr>
+              <a:buSzPct val="45000"/>
+              <a:buFont typeface="Wingdings" charset="2"/>
+              <a:buChar char=""/>
+            </a:pPr>
+            <a:r>
+              <a:rPr b="0" lang="en-US" sz="9600" spc="-1" strike="noStrike">
+                <a:latin typeface="Arial"/>
+              </a:rPr>
+              <a:t> </a:t>
+            </a:r>
+            <a:endParaRPr b="0" lang="en-US" sz="9600" spc="-1" strike="noStrike">
+              <a:latin typeface="Arial"/>
+            </a:endParaRPr>
+          </a:p>
+          <a:p>
+            <a:pPr marL="432000" indent="-324000">
+              <a:spcBef>
+                <a:spcPts val="1417"/>
+              </a:spcBef>
+              <a:buClr>
+                <a:srgbClr val="000000"/>
+              </a:buClr>
+              <a:buSzPct val="45000"/>
+              <a:buFont typeface="Wingdings" charset="2"/>
+              <a:buChar char=""/>
+            </a:pPr>
+            <a:r>
+              <a:rPr b="0" lang="en-US" sz="3200" spc="-1" strike="noStrike">
+                <a:latin typeface="Arial"/>
+              </a:rPr>
+              <a:t>├── </a:t>
+            </a:r>
+            <a:r>
+              <a:rPr b="0" lang="en-US" sz="3200" spc="-1" strike="noStrike">
+                <a:latin typeface="Arial"/>
+              </a:rPr>
+              <a:t>benchmark</a:t>
+            </a:r>
+            <a:endParaRPr b="0" lang="en-US" sz="3200" spc="-1" strike="noStrike">
+              <a:latin typeface="Arial"/>
+            </a:endParaRPr>
+          </a:p>
+          <a:p>
+            <a:pPr marL="432000" indent="-324000">
+              <a:spcBef>
+                <a:spcPts val="1417"/>
+              </a:spcBef>
+              <a:buClr>
+                <a:srgbClr val="000000"/>
+              </a:buClr>
+              <a:buSzPct val="45000"/>
+              <a:buFont typeface="Wingdings" charset="2"/>
+              <a:buChar char=""/>
+            </a:pPr>
+            <a:r>
+              <a:rPr b="0" lang="en-US" sz="3200" spc="-1" strike="noStrike">
+                <a:latin typeface="Arial"/>
+              </a:rPr>
+              <a:t>├── </a:t>
+            </a:r>
+            <a:r>
+              <a:rPr b="0" lang="en-US" sz="3200" spc="-1" strike="noStrike">
+                <a:latin typeface="Arial"/>
+              </a:rPr>
+              <a:t>build</a:t>
+            </a:r>
+            <a:endParaRPr b="0" lang="en-US" sz="3200" spc="-1" strike="noStrike">
+              <a:latin typeface="Arial"/>
+            </a:endParaRPr>
+          </a:p>
+          <a:p>
+            <a:pPr marL="432000" indent="-324000">
+              <a:spcBef>
+                <a:spcPts val="1417"/>
+              </a:spcBef>
+              <a:buClr>
+                <a:srgbClr val="000000"/>
+              </a:buClr>
+              <a:buSzPct val="45000"/>
+              <a:buFont typeface="Wingdings" charset="2"/>
+              <a:buChar char=""/>
+            </a:pPr>
+            <a:r>
+              <a:rPr b="0" lang="en-US" sz="3200" spc="-1" strike="noStrike">
+                <a:latin typeface="Arial"/>
+              </a:rPr>
+              <a:t>│   └── </a:t>
+            </a:r>
+            <a:r>
+              <a:rPr b="0" lang="en-US" sz="3200" spc="-1" strike="noStrike">
+                <a:latin typeface="Arial"/>
+              </a:rPr>
+              <a:t>jaxlib</a:t>
+            </a:r>
+            <a:endParaRPr b="0" lang="en-US" sz="3200" spc="-1" strike="noStrike">
+              <a:latin typeface="Arial"/>
+            </a:endParaRPr>
+          </a:p>
+          <a:p>
+            <a:pPr marL="432000" indent="-324000">
+              <a:spcBef>
+                <a:spcPts val="1417"/>
+              </a:spcBef>
+              <a:buClr>
+                <a:srgbClr val="000000"/>
+              </a:buClr>
+              <a:buSzPct val="45000"/>
+              <a:buFont typeface="Wingdings" charset="2"/>
+              <a:buChar char=""/>
+            </a:pPr>
+            <a:r>
+              <a:rPr b="0" lang="en-US" sz="3200" spc="-1" strike="noStrike">
+                <a:latin typeface="Arial"/>
+              </a:rPr>
+              <a:t>├── </a:t>
+            </a:r>
+            <a:r>
+              <a:rPr b="0" lang="en-US" sz="3200" spc="-1" strike="noStrike">
+                <a:latin typeface="Arial"/>
+              </a:rPr>
+              <a:t>cloud_tpu_colabs</a:t>
+            </a:r>
+            <a:endParaRPr b="0" lang="en-US" sz="3200" spc="-1" strike="noStrike">
+              <a:latin typeface="Arial"/>
+            </a:endParaRPr>
+          </a:p>
+          <a:p>
+            <a:pPr marL="432000" indent="-324000">
+              <a:spcBef>
+                <a:spcPts val="1417"/>
+              </a:spcBef>
+              <a:buClr>
+                <a:srgbClr val="000000"/>
+              </a:buClr>
+              <a:buSzPct val="45000"/>
+              <a:buFont typeface="Wingdings" charset="2"/>
+              <a:buChar char=""/>
+            </a:pPr>
+            <a:r>
+              <a:rPr b="0" lang="en-US" sz="3200" spc="-1" strike="noStrike">
+                <a:latin typeface="Arial"/>
+              </a:rPr>
+              <a:t>│   └── </a:t>
+            </a:r>
+            <a:r>
+              <a:rPr b="0" lang="en-US" sz="3200" spc="-1" strike="noStrike">
+                <a:latin typeface="Arial"/>
+              </a:rPr>
+              <a:t>images</a:t>
+            </a:r>
+            <a:endParaRPr b="0" lang="en-US" sz="3200" spc="-1" strike="noStrike">
+              <a:latin typeface="Arial"/>
+            </a:endParaRPr>
+          </a:p>
+          <a:p>
+            <a:pPr marL="432000" indent="-324000">
+              <a:spcBef>
+                <a:spcPts val="1417"/>
+              </a:spcBef>
+              <a:buClr>
+                <a:srgbClr val="000000"/>
+              </a:buClr>
+              <a:buSzPct val="45000"/>
+              <a:buFont typeface="Wingdings" charset="2"/>
+              <a:buChar char=""/>
+            </a:pPr>
+            <a:r>
+              <a:rPr b="0" lang="en-US" sz="3200" spc="-1" strike="noStrike">
+                <a:latin typeface="Arial"/>
+              </a:rPr>
+              <a:t>├── </a:t>
+            </a:r>
+            <a:r>
+              <a:rPr b="0" lang="en-US" sz="3200" spc="-1" strike="noStrike">
+                <a:latin typeface="Arial"/>
+              </a:rPr>
+              <a:t>design_notes</a:t>
+            </a:r>
+            <a:endParaRPr b="0" lang="en-US" sz="3200" spc="-1" strike="noStrike">
+              <a:latin typeface="Arial"/>
+            </a:endParaRPr>
+          </a:p>
+          <a:p>
+            <a:pPr marL="432000" indent="-324000">
+              <a:spcBef>
+                <a:spcPts val="1417"/>
+              </a:spcBef>
+              <a:buClr>
+                <a:srgbClr val="000000"/>
+              </a:buClr>
+              <a:buSzPct val="45000"/>
+              <a:buFont typeface="Wingdings" charset="2"/>
+              <a:buChar char=""/>
+            </a:pPr>
+            <a:r>
+              <a:rPr b="0" lang="en-US" sz="3200" spc="-1" strike="noStrike">
+                <a:latin typeface="Arial"/>
+              </a:rPr>
+              <a:t>├── </a:t>
+            </a:r>
+            <a:r>
+              <a:rPr b="0" lang="en-US" sz="3200" spc="-1" strike="noStrike">
+                <a:latin typeface="Arial"/>
+              </a:rPr>
+              <a:t>docs</a:t>
+            </a:r>
+            <a:endParaRPr b="0" lang="en-US" sz="3200" spc="-1" strike="noStrike">
+              <a:latin typeface="Arial"/>
+            </a:endParaRPr>
+          </a:p>
+          <a:p>
+            <a:pPr marL="432000" indent="-324000">
+              <a:spcBef>
+                <a:spcPts val="1417"/>
+              </a:spcBef>
+              <a:buClr>
+                <a:srgbClr val="000000"/>
+              </a:buClr>
+              <a:buSzPct val="45000"/>
+              <a:buFont typeface="Wingdings" charset="2"/>
+              <a:buChar char=""/>
+            </a:pPr>
+            <a:r>
+              <a:rPr b="0" lang="en-US" sz="3200" spc="-1" strike="noStrike">
+                <a:latin typeface="Arial"/>
+              </a:rPr>
+              <a:t>│   ├── </a:t>
+            </a:r>
+            <a:r>
+              <a:rPr b="0" lang="en-US" sz="3200" spc="-1" strike="noStrike">
+                <a:latin typeface="Arial"/>
+              </a:rPr>
+              <a:t>notebooks</a:t>
+            </a:r>
+            <a:endParaRPr b="0" lang="en-US" sz="3200" spc="-1" strike="noStrike">
+              <a:latin typeface="Arial"/>
+            </a:endParaRPr>
+          </a:p>
+          <a:p>
+            <a:pPr marL="432000" indent="-324000">
+              <a:spcBef>
+                <a:spcPts val="1417"/>
+              </a:spcBef>
+              <a:buClr>
+                <a:srgbClr val="000000"/>
+              </a:buClr>
+              <a:buSzPct val="45000"/>
+              <a:buFont typeface="Wingdings" charset="2"/>
+              <a:buChar char=""/>
+            </a:pPr>
+            <a:r>
+              <a:rPr b="0" lang="en-US" sz="3200" spc="-1" strike="noStrike">
+                <a:latin typeface="Arial"/>
+              </a:rPr>
+              <a:t>│   ├── </a:t>
+            </a:r>
+            <a:r>
+              <a:rPr b="0" lang="en-US" sz="3200" spc="-1" strike="noStrike">
+                <a:latin typeface="Arial"/>
+              </a:rPr>
+              <a:t>_static</a:t>
+            </a:r>
+            <a:endParaRPr b="0" lang="en-US" sz="3200" spc="-1" strike="noStrike">
+              <a:latin typeface="Arial"/>
+            </a:endParaRPr>
+          </a:p>
+          <a:p>
+            <a:pPr marL="432000" indent="-324000">
+              <a:spcBef>
+                <a:spcPts val="1417"/>
+              </a:spcBef>
+              <a:buClr>
+                <a:srgbClr val="000000"/>
+              </a:buClr>
+              <a:buSzPct val="45000"/>
+              <a:buFont typeface="Wingdings" charset="2"/>
+              <a:buChar char=""/>
+            </a:pPr>
+            <a:r>
+              <a:rPr b="0" lang="en-US" sz="3200" spc="-1" strike="noStrike">
+                <a:latin typeface="Arial"/>
+              </a:rPr>
+              <a:t>│   └── </a:t>
+            </a:r>
+            <a:r>
+              <a:rPr b="0" lang="en-US" sz="3200" spc="-1" strike="noStrike">
+                <a:latin typeface="Arial"/>
+              </a:rPr>
+              <a:t>_templates</a:t>
+            </a:r>
+            <a:endParaRPr b="0" lang="en-US" sz="3200" spc="-1" strike="noStrike">
+              <a:latin typeface="Arial"/>
+            </a:endParaRPr>
+          </a:p>
+          <a:p>
+            <a:pPr marL="432000" indent="-324000">
+              <a:spcBef>
+                <a:spcPts val="1417"/>
+              </a:spcBef>
+              <a:buClr>
+                <a:srgbClr val="000000"/>
+              </a:buClr>
+              <a:buSzPct val="45000"/>
+              <a:buFont typeface="Wingdings" charset="2"/>
+              <a:buChar char=""/>
+            </a:pPr>
+            <a:r>
+              <a:rPr b="0" lang="en-US" sz="3200" spc="-1" strike="noStrike">
+                <a:latin typeface="Arial"/>
+              </a:rPr>
+              <a:t>├── </a:t>
+            </a:r>
+            <a:r>
+              <a:rPr b="0" lang="en-US" sz="3200" spc="-1" strike="noStrike">
+                <a:latin typeface="Arial"/>
+              </a:rPr>
+              <a:t>examples          </a:t>
+            </a:r>
+            <a:r>
+              <a:rPr b="0" lang="en-US" sz="3200" spc="-1" strike="noStrike">
+                <a:latin typeface="Arial"/>
+              </a:rPr>
+              <a:t>  # where you would </a:t>
+            </a:r>
+            <a:r>
+              <a:rPr b="0" lang="en-US" sz="3200" spc="-1" strike="noStrike">
+                <a:latin typeface="Arial"/>
+              </a:rPr>
+              <a:t>start using sample as </a:t>
+            </a:r>
+            <a:r>
+              <a:rPr b="0" lang="en-US" sz="3200" spc="-1" strike="noStrike">
+                <a:latin typeface="Arial"/>
+              </a:rPr>
+              <a:t>framework</a:t>
+            </a:r>
+            <a:endParaRPr b="0" lang="en-US" sz="3200" spc="-1" strike="noStrike">
+              <a:latin typeface="Arial"/>
+            </a:endParaRPr>
+          </a:p>
+          <a:p>
+            <a:pPr marL="432000" indent="-324000">
+              <a:spcBef>
+                <a:spcPts val="1417"/>
+              </a:spcBef>
+              <a:buClr>
+                <a:srgbClr val="000000"/>
+              </a:buClr>
+              <a:buSzPct val="45000"/>
+              <a:buFont typeface="Wingdings" charset="2"/>
+              <a:buChar char=""/>
+            </a:pPr>
+            <a:r>
+              <a:rPr b="0" lang="en-US" sz="3200" spc="-1" strike="noStrike">
+                <a:latin typeface="Arial"/>
+              </a:rPr>
+              <a:t>├── </a:t>
+            </a:r>
+            <a:r>
+              <a:rPr b="0" lang="en-US" sz="3200" spc="-1" strike="noStrike">
+                <a:latin typeface="Arial"/>
+              </a:rPr>
+              <a:t>images</a:t>
+            </a:r>
+            <a:endParaRPr b="0" lang="en-US" sz="3200" spc="-1" strike="noStrike">
+              <a:latin typeface="Arial"/>
+            </a:endParaRPr>
+          </a:p>
+          <a:p>
+            <a:pPr marL="432000" indent="-324000">
+              <a:spcBef>
+                <a:spcPts val="1417"/>
+              </a:spcBef>
+              <a:buClr>
+                <a:srgbClr val="000000"/>
+              </a:buClr>
+              <a:buSzPct val="45000"/>
+              <a:buFont typeface="Wingdings" charset="2"/>
+              <a:buChar char=""/>
+            </a:pPr>
+            <a:r>
+              <a:rPr b="0" lang="en-US" sz="3200" spc="-1" strike="noStrike">
+                <a:latin typeface="Arial"/>
+              </a:rPr>
+              <a:t>├── </a:t>
+            </a:r>
+            <a:r>
+              <a:rPr b="0" lang="en-US" sz="3200" spc="-1" strike="noStrike">
+                <a:latin typeface="Arial"/>
+              </a:rPr>
+              <a:t>jax</a:t>
+            </a:r>
+            <a:endParaRPr b="0" lang="en-US" sz="3200" spc="-1" strike="noStrike">
+              <a:latin typeface="Arial"/>
+            </a:endParaRPr>
+          </a:p>
+          <a:p>
+            <a:pPr marL="432000" indent="-324000">
+              <a:spcBef>
+                <a:spcPts val="1417"/>
+              </a:spcBef>
+              <a:buClr>
+                <a:srgbClr val="000000"/>
+              </a:buClr>
+              <a:buSzPct val="45000"/>
+              <a:buFont typeface="Wingdings" charset="2"/>
+              <a:buChar char=""/>
+            </a:pPr>
+            <a:r>
+              <a:rPr b="0" lang="en-US" sz="3200" spc="-1" strike="noStrike">
+                <a:latin typeface="Arial"/>
+              </a:rPr>
+              <a:t>│   ├── </a:t>
+            </a:r>
+            <a:r>
+              <a:rPr b="0" lang="en-US" sz="3200" spc="-1" strike="noStrike">
+                <a:latin typeface="Arial"/>
+              </a:rPr>
+              <a:t>experimental</a:t>
+            </a:r>
+            <a:endParaRPr b="0" lang="en-US" sz="3200" spc="-1" strike="noStrike">
+              <a:latin typeface="Arial"/>
+            </a:endParaRPr>
+          </a:p>
+          <a:p>
+            <a:pPr marL="432000" indent="-324000">
+              <a:spcBef>
+                <a:spcPts val="1417"/>
+              </a:spcBef>
+              <a:buClr>
+                <a:srgbClr val="000000"/>
+              </a:buClr>
+              <a:buSzPct val="45000"/>
+              <a:buFont typeface="Wingdings" charset="2"/>
+              <a:buChar char=""/>
+            </a:pPr>
+            <a:r>
+              <a:rPr b="0" lang="en-US" sz="3200" spc="-1" strike="noStrike">
+                <a:latin typeface="Arial"/>
+              </a:rPr>
+              <a:t>│   ├── </a:t>
+            </a:r>
+            <a:r>
+              <a:rPr b="0" lang="en-US" sz="3200" spc="-1" strike="noStrike">
+                <a:latin typeface="Arial"/>
+              </a:rPr>
+              <a:t>interpreters</a:t>
+            </a:r>
+            <a:endParaRPr b="0" lang="en-US" sz="3200" spc="-1" strike="noStrike">
+              <a:latin typeface="Arial"/>
+            </a:endParaRPr>
+          </a:p>
+          <a:p>
+            <a:pPr marL="432000" indent="-324000">
+              <a:spcBef>
+                <a:spcPts val="1417"/>
+              </a:spcBef>
+              <a:buClr>
+                <a:srgbClr val="000000"/>
+              </a:buClr>
+              <a:buSzPct val="45000"/>
+              <a:buFont typeface="Wingdings" charset="2"/>
+              <a:buChar char=""/>
+            </a:pPr>
+            <a:r>
+              <a:rPr b="0" lang="en-US" sz="3200" spc="-1" strike="noStrike">
+                <a:latin typeface="Arial"/>
+              </a:rPr>
+              <a:t>│   ├── </a:t>
+            </a:r>
+            <a:r>
+              <a:rPr b="0" lang="en-US" sz="3200" spc="-1" strike="noStrike">
+                <a:latin typeface="Arial"/>
+              </a:rPr>
+              <a:t>lax</a:t>
+            </a:r>
+            <a:endParaRPr b="0" lang="en-US" sz="3200" spc="-1" strike="noStrike">
+              <a:latin typeface="Arial"/>
+            </a:endParaRPr>
+          </a:p>
+          <a:p>
+            <a:pPr marL="432000" indent="-324000">
+              <a:spcBef>
+                <a:spcPts val="1417"/>
+              </a:spcBef>
+              <a:buClr>
+                <a:srgbClr val="000000"/>
+              </a:buClr>
+              <a:buSzPct val="45000"/>
+              <a:buFont typeface="Wingdings" charset="2"/>
+              <a:buChar char=""/>
+            </a:pPr>
+            <a:r>
+              <a:rPr b="0" lang="en-US" sz="3200" spc="-1" strike="noStrike">
+                <a:latin typeface="Arial"/>
+              </a:rPr>
+              <a:t>│   ├── </a:t>
+            </a:r>
+            <a:r>
+              <a:rPr b="0" lang="en-US" sz="3200" spc="-1" strike="noStrike">
+                <a:latin typeface="Arial"/>
+              </a:rPr>
+              <a:t>lib</a:t>
+            </a:r>
+            <a:endParaRPr b="0" lang="en-US" sz="3200" spc="-1" strike="noStrike">
+              <a:latin typeface="Arial"/>
+            </a:endParaRPr>
+          </a:p>
+          <a:p>
+            <a:pPr marL="432000" indent="-324000">
+              <a:spcBef>
+                <a:spcPts val="1417"/>
+              </a:spcBef>
+              <a:buClr>
+                <a:srgbClr val="000000"/>
+              </a:buClr>
+              <a:buSzPct val="45000"/>
+              <a:buFont typeface="Wingdings" charset="2"/>
+              <a:buChar char=""/>
+            </a:pPr>
+            <a:r>
+              <a:rPr b="0" lang="en-US" sz="3200" spc="-1" strike="noStrike">
+                <a:latin typeface="Arial"/>
+              </a:rPr>
+              <a:t>│   ├── </a:t>
+            </a:r>
+            <a:r>
+              <a:rPr b="0" lang="en-US" sz="3200" spc="-1" strike="noStrike">
+                <a:latin typeface="Arial"/>
+              </a:rPr>
+              <a:t>nn</a:t>
+            </a:r>
+            <a:endParaRPr b="0" lang="en-US" sz="3200" spc="-1" strike="noStrike">
+              <a:latin typeface="Arial"/>
+            </a:endParaRPr>
+          </a:p>
+          <a:p>
+            <a:pPr marL="432000" indent="-324000">
+              <a:spcBef>
+                <a:spcPts val="1417"/>
+              </a:spcBef>
+              <a:buClr>
+                <a:srgbClr val="000000"/>
+              </a:buClr>
+              <a:buSzPct val="45000"/>
+              <a:buFont typeface="Wingdings" charset="2"/>
+              <a:buChar char=""/>
+            </a:pPr>
+            <a:r>
+              <a:rPr b="0" lang="en-US" sz="3200" spc="-1" strike="noStrike">
+                <a:latin typeface="Arial"/>
+              </a:rPr>
+              <a:t>│   ├── </a:t>
+            </a:r>
+            <a:r>
+              <a:rPr b="0" lang="en-US" sz="3200" spc="-1" strike="noStrike">
+                <a:latin typeface="Arial"/>
+              </a:rPr>
+              <a:t>numpy</a:t>
+            </a:r>
+            <a:endParaRPr b="0" lang="en-US" sz="3200" spc="-1" strike="noStrike">
+              <a:latin typeface="Arial"/>
+            </a:endParaRPr>
+          </a:p>
+          <a:p>
+            <a:pPr marL="432000" indent="-324000">
+              <a:spcBef>
+                <a:spcPts val="1417"/>
+              </a:spcBef>
+              <a:buClr>
+                <a:srgbClr val="000000"/>
+              </a:buClr>
+              <a:buSzPct val="45000"/>
+              <a:buFont typeface="Wingdings" charset="2"/>
+              <a:buChar char=""/>
+            </a:pPr>
+            <a:r>
+              <a:rPr b="0" lang="en-US" sz="3200" spc="-1" strike="noStrike">
+                <a:latin typeface="Arial"/>
+              </a:rPr>
+              <a:t>│   ├── </a:t>
+            </a:r>
+            <a:r>
+              <a:rPr b="0" lang="en-US" sz="3200" spc="-1" strike="noStrike">
+                <a:latin typeface="Arial"/>
+              </a:rPr>
+              <a:t>ops</a:t>
+            </a:r>
+            <a:endParaRPr b="0" lang="en-US" sz="3200" spc="-1" strike="noStrike">
+              <a:latin typeface="Arial"/>
+            </a:endParaRPr>
+          </a:p>
+          <a:p>
+            <a:pPr marL="432000" indent="-324000">
+              <a:spcBef>
+                <a:spcPts val="1417"/>
+              </a:spcBef>
+              <a:buClr>
+                <a:srgbClr val="000000"/>
+              </a:buClr>
+              <a:buSzPct val="45000"/>
+              <a:buFont typeface="Wingdings" charset="2"/>
+              <a:buChar char=""/>
+            </a:pPr>
+            <a:r>
+              <a:rPr b="0" lang="en-US" sz="3200" spc="-1" strike="noStrike">
+                <a:latin typeface="Arial"/>
+              </a:rPr>
+              <a:t>│   ├── </a:t>
+            </a:r>
+            <a:r>
+              <a:rPr b="0" lang="en-US" sz="3200" spc="-1" strike="noStrike">
+                <a:latin typeface="Arial"/>
+              </a:rPr>
+              <a:t>scipy</a:t>
+            </a:r>
+            <a:endParaRPr b="0" lang="en-US" sz="3200" spc="-1" strike="noStrike">
+              <a:latin typeface="Arial"/>
+            </a:endParaRPr>
+          </a:p>
+          <a:p>
+            <a:pPr marL="432000" indent="-324000">
+              <a:spcBef>
+                <a:spcPts val="1417"/>
+              </a:spcBef>
+              <a:buClr>
+                <a:srgbClr val="000000"/>
+              </a:buClr>
+              <a:buSzPct val="45000"/>
+              <a:buFont typeface="Wingdings" charset="2"/>
+              <a:buChar char=""/>
+            </a:pPr>
+            <a:r>
+              <a:rPr b="0" lang="en-US" sz="3200" spc="-1" strike="noStrike">
+                <a:latin typeface="Arial"/>
+              </a:rPr>
+              <a:t>│   │   ├── </a:t>
+            </a:r>
+            <a:r>
+              <a:rPr b="0" lang="en-US" sz="3200" spc="-1" strike="noStrike">
+                <a:latin typeface="Arial"/>
+              </a:rPr>
+              <a:t>sparse</a:t>
+            </a:r>
+            <a:endParaRPr b="0" lang="en-US" sz="3200" spc="-1" strike="noStrike">
+              <a:latin typeface="Arial"/>
+            </a:endParaRPr>
+          </a:p>
+          <a:p>
+            <a:pPr marL="432000" indent="-324000">
+              <a:spcBef>
+                <a:spcPts val="1417"/>
+              </a:spcBef>
+              <a:buClr>
+                <a:srgbClr val="000000"/>
+              </a:buClr>
+              <a:buSzPct val="45000"/>
+              <a:buFont typeface="Wingdings" charset="2"/>
+              <a:buChar char=""/>
+            </a:pPr>
+            <a:r>
+              <a:rPr b="0" lang="en-US" sz="3200" spc="-1" strike="noStrike">
+                <a:latin typeface="Arial"/>
+              </a:rPr>
+              <a:t>│   │   └── </a:t>
+            </a:r>
+            <a:r>
+              <a:rPr b="0" lang="en-US" sz="3200" spc="-1" strike="noStrike">
+                <a:latin typeface="Arial"/>
+              </a:rPr>
+              <a:t>stats</a:t>
+            </a:r>
+            <a:endParaRPr b="0" lang="en-US" sz="3200" spc="-1" strike="noStrike">
+              <a:latin typeface="Arial"/>
+            </a:endParaRPr>
+          </a:p>
+          <a:p>
+            <a:pPr marL="432000" indent="-324000">
+              <a:spcBef>
+                <a:spcPts val="1417"/>
+              </a:spcBef>
+              <a:buClr>
+                <a:srgbClr val="000000"/>
+              </a:buClr>
+              <a:buSzPct val="45000"/>
+              <a:buFont typeface="Wingdings" charset="2"/>
+              <a:buChar char=""/>
+            </a:pPr>
+            <a:r>
+              <a:rPr b="0" lang="en-US" sz="3200" spc="-1" strike="noStrike">
+                <a:latin typeface="Arial"/>
+              </a:rPr>
+              <a:t>│   ├── </a:t>
+            </a:r>
+            <a:r>
+              <a:rPr b="0" lang="en-US" sz="3200" spc="-1" strike="noStrike">
+                <a:latin typeface="Arial"/>
+              </a:rPr>
+              <a:t>third_party</a:t>
+            </a:r>
+            <a:endParaRPr b="0" lang="en-US" sz="3200" spc="-1" strike="noStrike">
+              <a:latin typeface="Arial"/>
+            </a:endParaRPr>
+          </a:p>
+          <a:p>
+            <a:pPr marL="432000" indent="-324000">
+              <a:spcBef>
+                <a:spcPts val="1417"/>
+              </a:spcBef>
+              <a:buClr>
+                <a:srgbClr val="000000"/>
+              </a:buClr>
+              <a:buSzPct val="45000"/>
+              <a:buFont typeface="Wingdings" charset="2"/>
+              <a:buChar char=""/>
+            </a:pPr>
+            <a:r>
+              <a:rPr b="0" lang="en-US" sz="3200" spc="-1" strike="noStrike">
+                <a:latin typeface="Arial"/>
+              </a:rPr>
+              <a:t>│   │   └── </a:t>
+            </a:r>
+            <a:r>
+              <a:rPr b="0" lang="en-US" sz="3200" spc="-1" strike="noStrike">
+                <a:latin typeface="Arial"/>
+              </a:rPr>
+              <a:t>numpy</a:t>
+            </a:r>
+            <a:endParaRPr b="0" lang="en-US" sz="3200" spc="-1" strike="noStrike">
+              <a:latin typeface="Arial"/>
+            </a:endParaRPr>
+          </a:p>
+          <a:p>
+            <a:pPr marL="432000" indent="-324000">
+              <a:spcBef>
+                <a:spcPts val="1417"/>
+              </a:spcBef>
+              <a:buClr>
+                <a:srgbClr val="000000"/>
+              </a:buClr>
+              <a:buSzPct val="45000"/>
+              <a:buFont typeface="Wingdings" charset="2"/>
+              <a:buChar char=""/>
+            </a:pPr>
+            <a:r>
+              <a:rPr b="0" lang="en-US" sz="3200" spc="-1" strike="noStrike">
+                <a:latin typeface="Arial"/>
+              </a:rPr>
+              <a:t>│   └── </a:t>
+            </a:r>
+            <a:r>
+              <a:rPr b="0" lang="en-US" sz="3200" spc="-1" strike="noStrike">
+                <a:latin typeface="Arial"/>
+              </a:rPr>
+              <a:t>tools</a:t>
+            </a:r>
+            <a:endParaRPr b="0" lang="en-US" sz="3200" spc="-1" strike="noStrike">
+              <a:latin typeface="Arial"/>
+            </a:endParaRPr>
+          </a:p>
+          <a:p>
+            <a:pPr marL="432000" indent="-324000">
+              <a:spcBef>
+                <a:spcPts val="1417"/>
+              </a:spcBef>
+              <a:buClr>
+                <a:srgbClr val="000000"/>
+              </a:buClr>
+              <a:buSzPct val="45000"/>
+              <a:buFont typeface="Wingdings" charset="2"/>
+              <a:buChar char=""/>
+            </a:pPr>
+            <a:r>
+              <a:rPr b="0" lang="en-US" sz="3200" spc="-1" strike="noStrike">
+                <a:latin typeface="Arial"/>
+              </a:rPr>
+              <a:t>├── </a:t>
+            </a:r>
+            <a:r>
+              <a:rPr b="0" lang="en-US" sz="3200" spc="-1" strike="noStrike">
+                <a:latin typeface="Arial"/>
+              </a:rPr>
+              <a:t>jaxlib</a:t>
+            </a:r>
+            <a:endParaRPr b="0" lang="en-US" sz="3200" spc="-1" strike="noStrike">
+              <a:latin typeface="Arial"/>
+            </a:endParaRPr>
+          </a:p>
+          <a:p>
+            <a:pPr marL="432000" indent="-324000">
+              <a:spcBef>
+                <a:spcPts val="1417"/>
+              </a:spcBef>
+              <a:buClr>
+                <a:srgbClr val="000000"/>
+              </a:buClr>
+              <a:buSzPct val="45000"/>
+              <a:buFont typeface="Wingdings" charset="2"/>
+              <a:buChar char=""/>
+            </a:pPr>
+            <a:r>
+              <a:rPr b="0" lang="en-US" sz="3200" spc="-1" strike="noStrike">
+                <a:latin typeface="Arial"/>
+              </a:rPr>
+              <a:t>└── </a:t>
+            </a:r>
+            <a:r>
+              <a:rPr b="0" lang="en-US" sz="3200" spc="-1" strike="noStrike">
+                <a:latin typeface="Arial"/>
+              </a:rPr>
+              <a:t>tests</a:t>
+            </a:r>
+            <a:endParaRPr b="0" lang="en-US" sz="3200" spc="-1" strike="noStrike">
+              <a:latin typeface="Arial"/>
+            </a:endParaRPr>
+          </a:p>
+          <a:p>
+            <a:pPr marL="432000" indent="-324000">
+              <a:spcBef>
+                <a:spcPts val="1417"/>
+              </a:spcBef>
+              <a:buClr>
+                <a:srgbClr val="000000"/>
+              </a:buClr>
+              <a:buSzPct val="45000"/>
+              <a:buFont typeface="Wingdings" charset="2"/>
+              <a:buChar char=""/>
+            </a:pPr>
+            <a:r>
+              <a:rPr b="0" lang="en-US" sz="3200" spc="-1" strike="noStrike">
+                <a:latin typeface="Arial"/>
+              </a:rPr>
+              <a:t>    └── </a:t>
+            </a:r>
+            <a:r>
+              <a:rPr b="0" lang="en-US" sz="3200" spc="-1" strike="noStrike">
+                <a:latin typeface="Arial"/>
+              </a:rPr>
+              <a:t>benchmarks</a:t>
+            </a:r>
+            <a:endParaRPr b="0" lang="en-US" sz="3200" spc="-1" strike="noStrike">
+              <a:latin typeface="Arial"/>
+            </a:endParaRPr>
+          </a:p>
+          <a:p>
+            <a:pPr marL="432000" indent="-324000">
+              <a:spcBef>
+                <a:spcPts val="1417"/>
+              </a:spcBef>
+              <a:buClr>
+                <a:srgbClr val="000000"/>
+              </a:buClr>
+              <a:buSzPct val="45000"/>
+              <a:buFont typeface="Wingdings" charset="2"/>
+              <a:buChar char=""/>
+            </a:pPr>
+            <a:r>
+              <a:rPr b="0" lang="en-US" sz="3200" spc="-1" strike="noStrike">
+                <a:latin typeface="Arial"/>
+              </a:rPr>
+              <a:t> </a:t>
+            </a:r>
+            <a:endParaRPr b="0" lang="en-US" sz="3200" spc="-1" strike="noStrike">
+              <a:latin typeface="Arial"/>
+            </a:endParaRPr>
+          </a:p>
+          <a:p>
+            <a:pPr marL="432000" indent="-324000">
+              <a:spcBef>
+                <a:spcPts val="1417"/>
+              </a:spcBef>
+              <a:buClr>
+                <a:srgbClr val="000000"/>
+              </a:buClr>
+              <a:buSzPct val="45000"/>
+              <a:buFont typeface="Wingdings" charset="2"/>
+              <a:buChar char=""/>
+            </a:pPr>
+            <a:r>
+              <a:rPr b="0" lang="en-US" sz="3200" spc="-1" strike="noStrike">
+                <a:latin typeface="Arial"/>
+              </a:rPr>
+              <a:t>my_old_numpy_code</a:t>
+            </a:r>
+            <a:endParaRPr b="0" lang="en-US" sz="3200" spc="-1" strike="noStrike">
+              <a:latin typeface="Arial"/>
+            </a:endParaRPr>
+          </a:p>
+          <a:p>
+            <a:pPr marL="432000" indent="-324000">
+              <a:spcBef>
+                <a:spcPts val="1417"/>
+              </a:spcBef>
+              <a:buClr>
+                <a:srgbClr val="000000"/>
+              </a:buClr>
+              <a:buSzPct val="45000"/>
+              <a:buFont typeface="Wingdings" charset="2"/>
+              <a:buChar char=""/>
+            </a:pPr>
+            <a:r>
+              <a:rPr b="0" lang="en-US" sz="3200" spc="-1" strike="noStrike">
+                <a:latin typeface="Arial"/>
+              </a:rPr>
+              <a:t>├── </a:t>
+            </a:r>
+            <a:r>
+              <a:rPr b="0" lang="en-US" sz="3200" spc="-1" strike="noStrike">
+                <a:latin typeface="Arial"/>
+              </a:rPr>
+              <a:t>numpy_dir          </a:t>
+            </a:r>
+            <a:r>
+              <a:rPr b="0" lang="en-US" sz="3200" spc="-1" strike="noStrike">
+                <a:latin typeface="Arial"/>
+              </a:rPr>
+              <a:t>       # where you </a:t>
+            </a:r>
+            <a:r>
+              <a:rPr b="0" lang="en-US" sz="3200" spc="-1" strike="noStrike">
+                <a:latin typeface="Arial"/>
+              </a:rPr>
+              <a:t>should do: sed -ie </a:t>
+            </a:r>
+            <a:r>
+              <a:rPr b="0" lang="en-US" sz="3200" spc="-1" strike="noStrike">
+                <a:latin typeface="Arial"/>
+              </a:rPr>
+              <a:t>"s/import numpy as </a:t>
+            </a:r>
+            <a:r>
+              <a:rPr b="0" lang="en-US" sz="3200" spc="-1" strike="noStrike">
+                <a:latin typeface="Arial"/>
+              </a:rPr>
+              <a:t>np/import  jax.numpy </a:t>
+            </a:r>
+            <a:r>
+              <a:rPr b="0" lang="en-US" sz="3200" spc="-1" strike="noStrike">
+                <a:latin typeface="Arial"/>
+              </a:rPr>
+              <a:t>as np/g"</a:t>
+            </a:r>
+            <a:endParaRPr b="0" lang="en-US" sz="3200" spc="-1" strike="noStrike">
+              <a:latin typeface="Arial"/>
+            </a:endParaRPr>
+          </a:p>
+          <a:p>
+            <a:pPr marL="432000" indent="-324000">
+              <a:spcBef>
+                <a:spcPts val="1417"/>
+              </a:spcBef>
+              <a:buClr>
+                <a:srgbClr val="000000"/>
+              </a:buClr>
+              <a:buSzPct val="45000"/>
+              <a:buFont typeface="Wingdings" charset="2"/>
+              <a:buChar char=""/>
+            </a:pPr>
+            <a:endParaRPr b="0" lang="en-US" sz="3200" spc="-1" strike="noStrike">
+              <a:latin typeface="Arial"/>
+            </a:endParaRPr>
+          </a:p>
+        </p:txBody>
+      </p:sp>
+    </p:spTree>
+  </p:cSld>
+  <mc:AlternateContent>
+    <mc:Choice Requires="p14">
+      <p:transition spd="slow" p14:dur="2000"/>
+    </mc:Choice>
+    <mc:Fallback>
+      <p:transition spd="slow"/>
+    </mc:Fallback>
+  </mc:AlternateContent>
+</p:sld>
+</file>
+
+<file path=ppt/slides/slide5.xml><?xml version="1.0" encoding="utf-8"?>
+<p:sld xmlns:a="http://schemas.openxmlformats.org/drawingml/2006/main" xmlns:p="http://schemas.openxmlformats.org/presentationml/2006/main" xmlns:r="http://schemas.openxmlformats.org/officeDocument/2006/relationships" xmlns:p14="http://schemas.microsoft.com/office/powerpoint/2010/main" xmlns:p15="http://schemas.microsoft.com/office/powerpoint/2012/main" xmlns:mc="http://schemas.openxmlformats.org/markup-compatibility/2006">
+  <p:cSld>
+    <p:spTree>
+      <p:nvGrpSpPr>
+        <p:cNvPr id="1" name=""/>
+        <p:cNvGrpSpPr/>
+        <p:nvPr/>
+      </p:nvGrpSpPr>
+      <p:grpSpPr>
+        <a:xfrm>
+          <a:off x="0" y="0"/>
+          <a:ext cx="0" cy="0"/>
+          <a:chOff x="0" y="0"/>
+          <a:chExt cx="0" cy="0"/>
+        </a:xfrm>
+      </p:grpSpPr>
+      <p:sp>
+        <p:nvSpPr>
+          <p:cNvPr id="50" name="TextShape 1"/>
+          <p:cNvSpPr txBox="1"/>
+          <p:nvPr/>
+        </p:nvSpPr>
+        <p:spPr>
+          <a:xfrm>
+            <a:off x="504000" y="226080"/>
+            <a:ext cx="9071280" cy="946080"/>
+          </a:xfrm>
+          <a:prstGeom prst="rect">
+            <a:avLst/>
+          </a:prstGeom>
+          <a:noFill/>
+          <a:ln>
+            <a:noFill/>
+          </a:ln>
+        </p:spPr>
+        <p:txBody>
+          <a:bodyPr lIns="0" rIns="0" tIns="0" bIns="0" anchor="ctr">
+            <a:noAutofit/>
+          </a:bodyPr>
+          <a:p>
+            <a:pPr algn="ctr"/>
+            <a:r>
+              <a:rPr b="0" lang="en-US" sz="4400" spc="-1" strike="noStrike">
+                <a:latin typeface="Arial"/>
+              </a:rPr>
+              <a:t>HPC/JAX migration DevOps steps</a:t>
+            </a:r>
+            <a:endParaRPr b="0" lang="en-US" sz="4400" spc="-1" strike="noStrike">
+              <a:latin typeface="Arial"/>
+            </a:endParaRPr>
+          </a:p>
+        </p:txBody>
+      </p:sp>
+      <p:sp>
+        <p:nvSpPr>
+          <p:cNvPr id="51" name="TextShape 2"/>
+          <p:cNvSpPr txBox="1"/>
+          <p:nvPr/>
+        </p:nvSpPr>
+        <p:spPr>
+          <a:xfrm>
+            <a:off x="504000" y="1326600"/>
+            <a:ext cx="4426920" cy="3288600"/>
+          </a:xfrm>
+          <a:prstGeom prst="rect">
+            <a:avLst/>
+          </a:prstGeom>
+          <a:noFill/>
+          <a:ln>
+            <a:noFill/>
+          </a:ln>
+        </p:spPr>
+        <p:txBody>
+          <a:bodyPr lIns="0" rIns="0" tIns="0" bIns="0">
+            <a:normAutofit fontScale="45000"/>
+          </a:bodyPr>
+          <a:p>
+            <a:pPr marL="432000" indent="-324000">
+              <a:spcBef>
+                <a:spcPts val="1417"/>
+              </a:spcBef>
+              <a:buClr>
+                <a:srgbClr val="000000"/>
+              </a:buClr>
+              <a:buFont typeface="StarSymbol"/>
+              <a:buAutoNum type="arabicParenR"/>
+            </a:pPr>
+            <a:r>
+              <a:rPr b="0" lang="en-US" sz="2600" spc="-1" strike="noStrike">
+                <a:latin typeface="Arial"/>
+              </a:rPr>
+              <a:t>Import numpy as np (sed -</a:t>
+            </a:r>
+            <a:r>
+              <a:rPr b="0" lang="en-US" sz="2600" spc="-1" strike="noStrike">
+                <a:latin typeface="Arial"/>
+              </a:rPr>
+              <a:t>ie “”)</a:t>
+            </a:r>
+            <a:endParaRPr b="0" lang="en-US" sz="2600" spc="-1" strike="noStrike">
+              <a:latin typeface="Arial"/>
+            </a:endParaRPr>
+          </a:p>
+          <a:p>
+            <a:pPr marL="432000" indent="-324000">
+              <a:spcBef>
+                <a:spcPts val="1417"/>
+              </a:spcBef>
+              <a:buClr>
+                <a:srgbClr val="000000"/>
+              </a:buClr>
+              <a:buFont typeface="StarSymbol"/>
+              <a:buAutoNum type="arabicParenR"/>
+            </a:pPr>
+            <a:r>
+              <a:rPr b="0" lang="en-US" sz="2600" spc="-1" strike="noStrike">
+                <a:latin typeface="Arial"/>
+              </a:rPr>
+              <a:t>Re-run and kill new errors</a:t>
+            </a:r>
+            <a:endParaRPr b="0" lang="en-US" sz="2600" spc="-1" strike="noStrike">
+              <a:latin typeface="Arial"/>
+            </a:endParaRPr>
+          </a:p>
+          <a:p>
+            <a:pPr marL="432000" indent="-324000">
+              <a:spcBef>
+                <a:spcPts val="1417"/>
+              </a:spcBef>
+              <a:buClr>
+                <a:srgbClr val="000000"/>
+              </a:buClr>
+              <a:buFont typeface="StarSymbol"/>
+              <a:buAutoNum type="arabicParenR"/>
+            </a:pPr>
+            <a:r>
+              <a:rPr b="0" lang="en-US" sz="2600" spc="-1" strike="noStrike">
+                <a:latin typeface="Arial"/>
+              </a:rPr>
+              <a:t>Run jupyter notebook </a:t>
+            </a:r>
+            <a:r>
+              <a:rPr b="0" lang="en-US" sz="2600" spc="-1" strike="noStrike">
+                <a:latin typeface="Arial"/>
+              </a:rPr>
+              <a:t>again.</a:t>
+            </a:r>
+            <a:endParaRPr b="0" lang="en-US" sz="2600" spc="-1" strike="noStrike">
+              <a:latin typeface="Arial"/>
+            </a:endParaRPr>
+          </a:p>
+          <a:p>
+            <a:pPr marL="432000" indent="-324000">
+              <a:spcBef>
+                <a:spcPts val="1417"/>
+              </a:spcBef>
+              <a:buClr>
+                <a:srgbClr val="000000"/>
+              </a:buClr>
+              <a:buFont typeface="StarSymbol"/>
+              <a:buAutoNum type="arabicParenR"/>
+            </a:pPr>
+            <a:r>
+              <a:rPr b="0" lang="en-US" sz="2600" spc="-1" strike="noStrike">
+                <a:latin typeface="Arial"/>
+              </a:rPr>
+              <a:t>Docker contain upgrade to </a:t>
+            </a:r>
+            <a:r>
+              <a:rPr b="0" lang="en-US" sz="2600" spc="-1" strike="noStrike">
+                <a:latin typeface="Arial"/>
+              </a:rPr>
+              <a:t>nvidia version.</a:t>
+            </a:r>
+            <a:endParaRPr b="0" lang="en-US" sz="2600" spc="-1" strike="noStrike">
+              <a:latin typeface="Arial"/>
+            </a:endParaRPr>
+          </a:p>
+          <a:p>
+            <a:pPr marL="432000" indent="-324000">
+              <a:spcBef>
+                <a:spcPts val="1417"/>
+              </a:spcBef>
+              <a:buClr>
+                <a:srgbClr val="000000"/>
+              </a:buClr>
+              <a:buFont typeface="StarSymbol"/>
+              <a:buAutoNum type="arabicParenR"/>
+            </a:pPr>
+            <a:r>
+              <a:rPr b="0" lang="en-US" sz="2600" spc="-1" strike="noStrike">
+                <a:latin typeface="Arial"/>
+              </a:rPr>
+              <a:t>K8s water testing.</a:t>
+            </a:r>
+            <a:endParaRPr b="0" lang="en-US" sz="2600" spc="-1" strike="noStrike">
+              <a:latin typeface="Arial"/>
+            </a:endParaRPr>
+          </a:p>
+          <a:p>
+            <a:pPr marL="432000" indent="-324000">
+              <a:spcBef>
+                <a:spcPts val="1417"/>
+              </a:spcBef>
+              <a:buClr>
+                <a:srgbClr val="000000"/>
+              </a:buClr>
+              <a:buFont typeface="StarSymbol"/>
+              <a:buAutoNum type="arabicParenR"/>
+            </a:pPr>
+            <a:r>
+              <a:rPr b="0" lang="en-US" sz="2600" spc="-1" strike="noStrike">
+                <a:latin typeface="Arial"/>
+              </a:rPr>
+              <a:t>Upgrade your storage from </a:t>
+            </a:r>
+            <a:r>
+              <a:rPr b="0" lang="en-US" sz="2600" spc="-1" strike="noStrike">
+                <a:latin typeface="Arial"/>
+              </a:rPr>
+              <a:t> hadoop to spark based.</a:t>
+            </a:r>
+            <a:endParaRPr b="0" lang="en-US" sz="2600" spc="-1" strike="noStrike">
+              <a:latin typeface="Arial"/>
+            </a:endParaRPr>
+          </a:p>
+          <a:p>
+            <a:pPr marL="432000" indent="-324000">
+              <a:spcBef>
+                <a:spcPts val="1417"/>
+              </a:spcBef>
+              <a:buClr>
+                <a:srgbClr val="000000"/>
+              </a:buClr>
+              <a:buFont typeface="StarSymbol"/>
+              <a:buAutoNum type="arabicParenR"/>
+            </a:pPr>
+            <a:r>
+              <a:rPr b="0" lang="en-US" sz="2600" spc="-1" strike="noStrike">
+                <a:latin typeface="Arial"/>
+              </a:rPr>
+              <a:t>Using kafka to align HPC </a:t>
+            </a:r>
+            <a:r>
+              <a:rPr b="0" lang="en-US" sz="2600" spc="-1" strike="noStrike">
+                <a:latin typeface="Arial"/>
+              </a:rPr>
+              <a:t>pipeline alignment.</a:t>
+            </a:r>
+            <a:endParaRPr b="0" lang="en-US" sz="2600" spc="-1" strike="noStrike">
+              <a:latin typeface="Arial"/>
+            </a:endParaRPr>
+          </a:p>
+        </p:txBody>
+      </p:sp>
+      <p:sp>
+        <p:nvSpPr>
+          <p:cNvPr id="52" name="TextShape 3"/>
+          <p:cNvSpPr txBox="1"/>
+          <p:nvPr/>
+        </p:nvSpPr>
+        <p:spPr>
+          <a:xfrm>
+            <a:off x="5152680" y="1326600"/>
+            <a:ext cx="4426920" cy="3288600"/>
+          </a:xfrm>
+          <a:prstGeom prst="rect">
+            <a:avLst/>
+          </a:prstGeom>
+          <a:noFill/>
+          <a:ln>
+            <a:noFill/>
+          </a:ln>
+        </p:spPr>
+        <p:txBody>
+          <a:bodyPr lIns="0" rIns="0" tIns="0" bIns="0">
+            <a:normAutofit fontScale="47000"/>
+          </a:bodyPr>
+          <a:p>
+            <a:pPr marL="432000" indent="-324000">
+              <a:spcBef>
+                <a:spcPts val="1417"/>
+              </a:spcBef>
+              <a:buClr>
+                <a:srgbClr val="000000"/>
+              </a:buClr>
+              <a:buFont typeface="StarSymbol"/>
+              <a:buAutoNum type="arabicParenR"/>
+            </a:pPr>
+            <a:r>
+              <a:rPr b="0" lang="en-US" sz="2600" spc="-1" strike="noStrike">
+                <a:latin typeface="Arial"/>
+              </a:rPr>
+              <a:t>Import jax.numpy as np</a:t>
+            </a:r>
+            <a:endParaRPr b="0" lang="en-US" sz="2600" spc="-1" strike="noStrike">
+              <a:latin typeface="Arial"/>
+            </a:endParaRPr>
+          </a:p>
+          <a:p>
+            <a:pPr marL="432000" indent="-324000">
+              <a:spcBef>
+                <a:spcPts val="1417"/>
+              </a:spcBef>
+              <a:buClr>
+                <a:srgbClr val="000000"/>
+              </a:buClr>
+              <a:buFont typeface="StarSymbol"/>
+              <a:buAutoNum type="arabicParenR"/>
+            </a:pPr>
+            <a:r>
+              <a:rPr b="0" lang="en-US" sz="2600" spc="-1" strike="noStrike">
+                <a:latin typeface="Arial"/>
+              </a:rPr>
+              <a:t>Check your pytorch autograd in more complex case.</a:t>
+            </a:r>
+            <a:endParaRPr b="0" lang="en-US" sz="2600" spc="-1" strike="noStrike">
+              <a:latin typeface="Arial"/>
+            </a:endParaRPr>
+          </a:p>
+          <a:p>
+            <a:pPr marL="432000" indent="-324000">
+              <a:spcBef>
+                <a:spcPts val="1417"/>
+              </a:spcBef>
+              <a:buClr>
+                <a:srgbClr val="000000"/>
+              </a:buClr>
+              <a:buFont typeface="StarSymbol"/>
+              <a:buAutoNum type="arabicParenR"/>
+            </a:pPr>
+            <a:r>
+              <a:rPr b="0" lang="en-US" sz="2600" spc="-1" strike="noStrike">
+                <a:latin typeface="Arial"/>
+              </a:rPr>
+              <a:t>Check your pytorch with JAX.</a:t>
+            </a:r>
+            <a:endParaRPr b="0" lang="en-US" sz="2600" spc="-1" strike="noStrike">
+              <a:latin typeface="Arial"/>
+            </a:endParaRPr>
+          </a:p>
+          <a:p>
+            <a:pPr marL="432000" indent="-324000">
+              <a:spcBef>
+                <a:spcPts val="1417"/>
+              </a:spcBef>
+              <a:buClr>
+                <a:srgbClr val="000000"/>
+              </a:buClr>
+              <a:buFont typeface="StarSymbol"/>
+              <a:buAutoNum type="arabicParenR"/>
+            </a:pPr>
+            <a:r>
+              <a:rPr b="0" lang="en-US" sz="2600" spc="-1" strike="noStrike">
+                <a:latin typeface="Arial"/>
+              </a:rPr>
+              <a:t>Tensorflow Grid and Nvidia/Grid fixups.</a:t>
+            </a:r>
+            <a:endParaRPr b="0" lang="en-US" sz="2600" spc="-1" strike="noStrike">
+              <a:latin typeface="Arial"/>
+            </a:endParaRPr>
+          </a:p>
+          <a:p>
+            <a:pPr marL="432000" indent="-324000">
+              <a:spcBef>
+                <a:spcPts val="1417"/>
+              </a:spcBef>
+              <a:buClr>
+                <a:srgbClr val="000000"/>
+              </a:buClr>
+              <a:buFont typeface="StarSymbol"/>
+              <a:buAutoNum type="arabicParenR"/>
+            </a:pPr>
+            <a:r>
+              <a:rPr b="0" lang="en-US" sz="2600" spc="-1" strike="noStrike">
+                <a:latin typeface="Arial"/>
+              </a:rPr>
+              <a:t>Data source tiers via feature engineering load-balancing.</a:t>
+            </a:r>
+            <a:endParaRPr b="0" lang="en-US" sz="2600" spc="-1" strike="noStrike">
+              <a:latin typeface="Arial"/>
+            </a:endParaRPr>
+          </a:p>
+          <a:p>
+            <a:pPr marL="432000" indent="-324000">
+              <a:spcBef>
+                <a:spcPts val="1417"/>
+              </a:spcBef>
+              <a:buClr>
+                <a:srgbClr val="000000"/>
+              </a:buClr>
+              <a:buFont typeface="StarSymbol"/>
+              <a:buAutoNum type="arabicParenR"/>
+            </a:pPr>
+            <a:r>
+              <a:rPr b="0" lang="en-US" sz="2600" spc="-1" strike="noStrike">
+                <a:latin typeface="Arial"/>
+              </a:rPr>
+              <a:t> </a:t>
+            </a:r>
+            <a:endParaRPr b="0" lang="en-US" sz="2600" spc="-1" strike="noStrike">
+              <a:latin typeface="Arial"/>
+            </a:endParaRPr>
+          </a:p>
+        </p:txBody>
+      </p:sp>
+      <p:sp>
+        <p:nvSpPr>
+          <p:cNvPr id="53" name="Line 4"/>
+          <p:cNvSpPr/>
+          <p:nvPr/>
+        </p:nvSpPr>
+        <p:spPr>
+          <a:xfrm>
+            <a:off x="3615480" y="1536120"/>
+            <a:ext cx="1539720" cy="17280"/>
+          </a:xfrm>
+          <a:prstGeom prst="line">
+            <a:avLst/>
+          </a:prstGeom>
+          <a:ln w="76320">
+            <a:solidFill>
+              <a:srgbClr val="ff0000"/>
+            </a:solidFill>
+            <a:round/>
+            <a:tailEnd len="med" type="triangle" w="med"/>
+          </a:ln>
+        </p:spPr>
+        <p:style>
+          <a:lnRef idx="0"/>
+          <a:fillRef idx="0"/>
+          <a:effectRef idx="0"/>
+          <a:fontRef idx="minor"/>
+        </p:style>
+      </p:sp>
+    </p:spTree>
+  </p:cSld>
+  <mc:AlternateContent>
+    <mc:Choice Requires="p14">
+      <p:transition spd="slow" p14:dur="2000"/>
+    </mc:Choice>
+    <mc:Fallback>
+      <p:transition spd="slow"/>
+    </mc:Fallback>
+  </mc:AlternateContent>
+</p:sld>
+</file>
+
+<file path=ppt/slides/slide6.xml><?xml version="1.0" encoding="utf-8"?>
+<p:sld xmlns:a="http://schemas.openxmlformats.org/drawingml/2006/main" xmlns:p="http://schemas.openxmlformats.org/presentationml/2006/main" xmlns:r="http://schemas.openxmlformats.org/officeDocument/2006/relationships" xmlns:p14="http://schemas.microsoft.com/office/powerpoint/2010/main" xmlns:p15="http://schemas.microsoft.com/office/powerpoint/2012/main" xmlns:mc="http://schemas.openxmlformats.org/markup-compatibility/2006">
+  <p:cSld>
+    <p:spTree>
+      <p:nvGrpSpPr>
+        <p:cNvPr id="1" name=""/>
+        <p:cNvGrpSpPr/>
+        <p:nvPr/>
+      </p:nvGrpSpPr>
+      <p:grpSpPr>
+        <a:xfrm>
+          <a:off x="0" y="0"/>
+          <a:ext cx="0" cy="0"/>
+          <a:chOff x="0" y="0"/>
+          <a:chExt cx="0" cy="0"/>
+        </a:xfrm>
+      </p:grpSpPr>
+      <p:sp>
+        <p:nvSpPr>
+          <p:cNvPr id="54" name="TextShape 1"/>
+          <p:cNvSpPr txBox="1"/>
+          <p:nvPr/>
+        </p:nvSpPr>
+        <p:spPr>
+          <a:xfrm>
+            <a:off x="504000" y="226080"/>
+            <a:ext cx="9071280" cy="946080"/>
+          </a:xfrm>
+          <a:prstGeom prst="rect">
+            <a:avLst/>
+          </a:prstGeom>
+          <a:noFill/>
+          <a:ln>
+            <a:noFill/>
+          </a:ln>
+        </p:spPr>
+        <p:txBody>
+          <a:bodyPr lIns="0" rIns="0" tIns="0" bIns="0" anchor="ctr">
+            <a:noAutofit/>
+          </a:bodyPr>
+          <a:p>
+            <a:pPr algn="ctr"/>
+            <a:r>
+              <a:rPr b="0" lang="en-US" sz="4400" spc="-1" strike="noStrike">
+                <a:latin typeface="Arial"/>
+              </a:rPr>
+              <a:t>References</a:t>
+            </a:r>
+            <a:endParaRPr b="0" lang="en-US" sz="4400" spc="-1" strike="noStrike">
+              <a:latin typeface="Arial"/>
+            </a:endParaRPr>
+          </a:p>
+        </p:txBody>
+      </p:sp>
+      <p:sp>
+        <p:nvSpPr>
+          <p:cNvPr id="55" name="TextShape 2"/>
+          <p:cNvSpPr txBox="1"/>
+          <p:nvPr/>
+        </p:nvSpPr>
+        <p:spPr>
+          <a:xfrm>
+            <a:off x="504000" y="1326600"/>
+            <a:ext cx="4426920" cy="3288600"/>
+          </a:xfrm>
+          <a:prstGeom prst="rect">
+            <a:avLst/>
+          </a:prstGeom>
+          <a:noFill/>
+          <a:ln>
+            <a:noFill/>
+          </a:ln>
+        </p:spPr>
+        <p:txBody>
+          <a:bodyPr lIns="0" rIns="0" tIns="0" bIns="0">
+            <a:normAutofit fontScale="15000"/>
+          </a:bodyPr>
+          <a:p>
+            <a:pPr marL="432000" indent="-324000">
+              <a:spcBef>
+                <a:spcPts val="1417"/>
+              </a:spcBef>
+              <a:buClr>
+                <a:srgbClr val="000000"/>
+              </a:buClr>
+              <a:buSzPct val="45000"/>
+              <a:buFont typeface="Wingdings" charset="2"/>
+              <a:buChar char=""/>
+            </a:pPr>
+            <a:endParaRPr b="0" lang="en-US" sz="3200" spc="-1" strike="noStrike">
+              <a:latin typeface="Arial"/>
+            </a:endParaRPr>
+          </a:p>
+          <a:p>
+            <a:pPr marL="432000" indent="-324000">
+              <a:spcBef>
+                <a:spcPts val="1417"/>
+              </a:spcBef>
+              <a:buClr>
+                <a:srgbClr val="000000"/>
+              </a:buClr>
+              <a:buSzPct val="45000"/>
+              <a:buFont typeface="Wingdings" charset="2"/>
+              <a:buChar char=""/>
+            </a:pPr>
+            <a:r>
+              <a:rPr b="0" lang="en-US" sz="3200" spc="-1" strike="noStrike">
+                <a:latin typeface="Arial"/>
+              </a:rPr>
+              <a:t>References PPTXs:   (where later I will make and re-use some slides from below when doing my pptx for the team on my seminar on JAX).     </a:t>
+            </a:r>
+            <a:endParaRPr b="0" lang="en-US" sz="3200" spc="-1" strike="noStrike">
+              <a:latin typeface="Arial"/>
+            </a:endParaRPr>
+          </a:p>
+          <a:p>
+            <a:pPr marL="432000" indent="-324000">
+              <a:spcBef>
+                <a:spcPts val="1417"/>
+              </a:spcBef>
+              <a:buClr>
+                <a:srgbClr val="000000"/>
+              </a:buClr>
+              <a:buSzPct val="45000"/>
+              <a:buFont typeface="Wingdings" charset="2"/>
+              <a:buChar char=""/>
+            </a:pPr>
+            <a:endParaRPr b="0" lang="en-US" sz="3200" spc="-1" strike="noStrike">
+              <a:latin typeface="Arial"/>
+            </a:endParaRPr>
+          </a:p>
+          <a:p>
+            <a:pPr marL="432000" indent="-324000">
+              <a:spcBef>
+                <a:spcPts val="1417"/>
+              </a:spcBef>
+              <a:buClr>
+                <a:srgbClr val="000000"/>
+              </a:buClr>
+              <a:buSzPct val="45000"/>
+              <a:buFont typeface="Wingdings" charset="2"/>
+              <a:buChar char=""/>
+            </a:pPr>
+            <a:r>
+              <a:rPr b="0" lang="en-US" sz="3200" spc="-1" strike="noStrike">
+                <a:latin typeface="Arial"/>
+              </a:rPr>
+              <a:t>[1] https://program-transformations.github.io/slides/NeurIPS_workshop_JAX_talk.pdf</a:t>
+            </a:r>
+            <a:endParaRPr b="0" lang="en-US" sz="3200" spc="-1" strike="noStrike">
+              <a:latin typeface="Arial"/>
+            </a:endParaRPr>
+          </a:p>
+          <a:p>
+            <a:pPr marL="432000" indent="-324000">
+              <a:spcBef>
+                <a:spcPts val="1417"/>
+              </a:spcBef>
+              <a:buClr>
+                <a:srgbClr val="000000"/>
+              </a:buClr>
+              <a:buSzPct val="45000"/>
+              <a:buFont typeface="Wingdings" charset="2"/>
+              <a:buChar char=""/>
+            </a:pPr>
+            <a:endParaRPr b="0" lang="en-US" sz="3200" spc="-1" strike="noStrike">
+              <a:latin typeface="Arial"/>
+            </a:endParaRPr>
+          </a:p>
+          <a:p>
+            <a:pPr marL="432000" indent="-324000">
+              <a:spcBef>
+                <a:spcPts val="1417"/>
+              </a:spcBef>
+              <a:buClr>
+                <a:srgbClr val="000000"/>
+              </a:buClr>
+              <a:buSzPct val="45000"/>
+              <a:buFont typeface="Wingdings" charset="2"/>
+              <a:buChar char=""/>
+            </a:pPr>
+            <a:r>
+              <a:rPr b="0" lang="en-US" sz="3200" spc="-1" strike="noStrike">
+                <a:latin typeface="Arial"/>
+              </a:rPr>
+              <a:t>[2] https://roberttlange.github.io/posts/2020/03/blog-post-10/.        ##   Getting started with JAX (MLPs, CNNs &amp; RNNs), Published: March 16, 2020</a:t>
+            </a:r>
+            <a:endParaRPr b="0" lang="en-US" sz="3200" spc="-1" strike="noStrike">
+              <a:latin typeface="Arial"/>
+            </a:endParaRPr>
+          </a:p>
+          <a:p>
+            <a:pPr marL="432000" indent="-324000">
+              <a:spcBef>
+                <a:spcPts val="1417"/>
+              </a:spcBef>
+              <a:buClr>
+                <a:srgbClr val="000000"/>
+              </a:buClr>
+              <a:buSzPct val="45000"/>
+              <a:buFont typeface="Wingdings" charset="2"/>
+              <a:buChar char=""/>
+            </a:pPr>
+            <a:endParaRPr b="0" lang="en-US" sz="3200" spc="-1" strike="noStrike">
+              <a:latin typeface="Arial"/>
+            </a:endParaRPr>
+          </a:p>
+        </p:txBody>
+      </p:sp>
+      <p:sp>
+        <p:nvSpPr>
+          <p:cNvPr id="56" name="TextShape 3"/>
+          <p:cNvSpPr txBox="1"/>
+          <p:nvPr/>
+        </p:nvSpPr>
+        <p:spPr>
+          <a:xfrm>
+            <a:off x="5152680" y="1326600"/>
+            <a:ext cx="4426920" cy="3288600"/>
+          </a:xfrm>
+          <a:prstGeom prst="rect">
+            <a:avLst/>
+          </a:prstGeom>
+          <a:noFill/>
+          <a:ln>
+            <a:noFill/>
+          </a:ln>
+        </p:spPr>
+        <p:txBody>
+          <a:bodyPr lIns="0" rIns="0" tIns="0" bIns="0">
+            <a:normAutofit/>
+          </a:bodyPr>
+          <a:p>
+            <a:pPr marL="432000" indent="-324000">
+              <a:spcBef>
+                <a:spcPts val="1417"/>
+              </a:spcBef>
+              <a:buClr>
+                <a:srgbClr val="000000"/>
+              </a:buClr>
+              <a:buSzPct val="45000"/>
+              <a:buFont typeface="Wingdings" charset="2"/>
+              <a:buChar char=""/>
+            </a:pPr>
+            <a:r>
+              <a:rPr b="0" lang="en-US" sz="1400" spc="-1" strike="noStrike">
+                <a:latin typeface="Arial"/>
+              </a:rPr>
+              <a:t>Please download my presentation in pptx:</a:t>
+            </a:r>
+            <a:endParaRPr b="0" lang="en-US" sz="1400" spc="-1" strike="noStrike">
+              <a:latin typeface="Arial"/>
+            </a:endParaRPr>
+          </a:p>
+          <a:p>
+            <a:pPr marL="432000" indent="-324000">
+              <a:spcBef>
+                <a:spcPts val="1417"/>
+              </a:spcBef>
+              <a:buClr>
+                <a:srgbClr val="000000"/>
+              </a:buClr>
+              <a:buSzPct val="45000"/>
+              <a:buFont typeface="Wingdings" charset="2"/>
+              <a:buChar char=""/>
+            </a:pPr>
+            <a:r>
+              <a:rPr b="0" lang="en-US" sz="1400" spc="-1" strike="noStrike">
+                <a:latin typeface="Arial"/>
+              </a:rPr>
+              <a:t>https://github.com/bayvictor/jax_presentation/blob/master/JAX_HPC_Ways_to_20X_speed_up_and_TPU_and_GPU_grid_deployment.pptx</a:t>
+            </a:r>
+            <a:endParaRPr b="0" lang="en-US" sz="1400" spc="-1" strike="noStrike">
+              <a:latin typeface="Arial"/>
+            </a:endParaRPr>
+          </a:p>
+          <a:p>
+            <a:pPr marL="432000" indent="-324000">
+              <a:spcBef>
+                <a:spcPts val="1417"/>
+              </a:spcBef>
+              <a:buClr>
+                <a:srgbClr val="000000"/>
+              </a:buClr>
+              <a:buSzPct val="45000"/>
+              <a:buFont typeface="Wingdings" charset="2"/>
+              <a:buChar char=""/>
+            </a:pPr>
+            <a:endParaRPr b="0" lang="en-US" sz="1400" spc="-1" strike="noStrike">
               <a:latin typeface="Arial"/>
             </a:endParaRPr>
           </a:p>
